--- a/backend/app/templates/6.pptx
+++ b/backend/app/templates/6.pptx
@@ -1,16 +1,16 @@
 
 <file path=ppt/presentation.xml><?xml version="1.0" encoding="utf-8"?>
-<p:presentation xmlns:a="http://schemas.openxmlformats.org/drawingml/2006/main" xmlns:r="http://schemas.openxmlformats.org/officeDocument/2006/relationships" xmlns:p="http://schemas.openxmlformats.org/presentationml/2006/main" xmlns:m="http://schemas.openxmlformats.org/officeDocument/2006/math" xmlns:w="http://schemas.openxmlformats.org/wordprocessingml/2006/main" saveSubsetFonts="1">
+<p:presentation xmlns:a="http://schemas.openxmlformats.org/drawingml/2006/main" xmlns:r="http://schemas.openxmlformats.org/officeDocument/2006/relationships" xmlns:p="http://schemas.openxmlformats.org/presentationml/2006/main" xmlns:m="http://schemas.openxmlformats.org/officeDocument/2006/math" xmlns:w="http://schemas.openxmlformats.org/wordprocessingml/2006/main" autoCompressPictures="0" removePersonalInfoOnSave="1">
   <p:sldMasterIdLst>
     <p:sldMasterId id="2147483648" r:id="rId1"/>
   </p:sldMasterIdLst>
-  <p:sldSz cx="12188825" cy="6858000"/>
-  <p:notesSz cx="12188825" cy="6858000"/>
+  <p:sldSz cx="12192000" cy="6858000"/>
+  <p:notesSz cx="12192000" cy="6858000"/>
   <p:defaultTextStyle>
     <a:defPPr>
       <a:defRPr/>
     </a:defPPr>
-    <a:lvl1pPr marL="0" algn="l" defTabSz="914400">
+    <a:lvl1pPr marL="0" algn="l" defTabSz="457200">
       <a:defRPr sz="1800">
         <a:solidFill>
           <a:schemeClr val="tx1"/>
@@ -20,7 +20,7 @@
         <a:cs typeface="+mn-cs"/>
       </a:defRPr>
     </a:lvl1pPr>
-    <a:lvl2pPr marL="457200" algn="l" defTabSz="914400">
+    <a:lvl2pPr marL="457200" algn="l" defTabSz="457200">
       <a:defRPr sz="1800">
         <a:solidFill>
           <a:schemeClr val="tx1"/>
@@ -30,7 +30,7 @@
         <a:cs typeface="+mn-cs"/>
       </a:defRPr>
     </a:lvl2pPr>
-    <a:lvl3pPr marL="914400" algn="l" defTabSz="914400">
+    <a:lvl3pPr marL="914400" algn="l" defTabSz="457200">
       <a:defRPr sz="1800">
         <a:solidFill>
           <a:schemeClr val="tx1"/>
@@ -40,7 +40,7 @@
         <a:cs typeface="+mn-cs"/>
       </a:defRPr>
     </a:lvl3pPr>
-    <a:lvl4pPr marL="1371600" algn="l" defTabSz="914400">
+    <a:lvl4pPr marL="1371600" algn="l" defTabSz="457200">
       <a:defRPr sz="1800">
         <a:solidFill>
           <a:schemeClr val="tx1"/>
@@ -50,7 +50,7 @@
         <a:cs typeface="+mn-cs"/>
       </a:defRPr>
     </a:lvl4pPr>
-    <a:lvl5pPr marL="1828800" algn="l" defTabSz="914400">
+    <a:lvl5pPr marL="1828800" algn="l" defTabSz="457200">
       <a:defRPr sz="1800">
         <a:solidFill>
           <a:schemeClr val="tx1"/>
@@ -60,7 +60,7 @@
         <a:cs typeface="+mn-cs"/>
       </a:defRPr>
     </a:lvl5pPr>
-    <a:lvl6pPr marL="2286000" algn="l" defTabSz="914400">
+    <a:lvl6pPr marL="2286000" algn="l" defTabSz="457200">
       <a:defRPr sz="1800">
         <a:solidFill>
           <a:schemeClr val="tx1"/>
@@ -70,7 +70,7 @@
         <a:cs typeface="+mn-cs"/>
       </a:defRPr>
     </a:lvl6pPr>
-    <a:lvl7pPr marL="2743200" algn="l" defTabSz="914400">
+    <a:lvl7pPr marL="2743200" algn="l" defTabSz="457200">
       <a:defRPr sz="1800">
         <a:solidFill>
           <a:schemeClr val="tx1"/>
@@ -80,7 +80,7 @@
         <a:cs typeface="+mn-cs"/>
       </a:defRPr>
     </a:lvl7pPr>
-    <a:lvl8pPr marL="3200400" algn="l" defTabSz="914400">
+    <a:lvl8pPr marL="3200400" algn="l" defTabSz="457200">
       <a:defRPr sz="1800">
         <a:solidFill>
           <a:schemeClr val="tx1"/>
@@ -90,7 +90,7 @@
         <a:cs typeface="+mn-cs"/>
       </a:defRPr>
     </a:lvl8pPr>
-    <a:lvl9pPr marL="3657600" algn="l" defTabSz="914400">
+    <a:lvl9pPr marL="3657600" algn="l" defTabSz="457200">
       <a:defRPr sz="1800">
         <a:solidFill>
           <a:schemeClr val="tx1"/>
@@ -105,19 +105,8 @@
 </file>
 
 <file path=ppt/slideLayouts/slideLayout1.xml><?xml version="1.0" encoding="utf-8"?>
-<p:sldLayout xmlns:a="http://schemas.openxmlformats.org/drawingml/2006/main" xmlns:r="http://schemas.openxmlformats.org/officeDocument/2006/relationships" xmlns:p="http://schemas.openxmlformats.org/presentationml/2006/main" xmlns:m="http://schemas.openxmlformats.org/officeDocument/2006/math" xmlns:w="http://schemas.openxmlformats.org/wordprocessingml/2006/main" matchingName="" preserve="1" showMasterPhAnim="0" type="title" userDrawn="1">
+<p:sldLayout xmlns:a="http://schemas.openxmlformats.org/drawingml/2006/main" xmlns:r="http://schemas.openxmlformats.org/officeDocument/2006/relationships" xmlns:p="http://schemas.openxmlformats.org/presentationml/2006/main" xmlns:m="http://schemas.openxmlformats.org/officeDocument/2006/math" xmlns:w="http://schemas.openxmlformats.org/wordprocessingml/2006/main" matchingName="" preserve="1" showMasterPhAnim="0" showMasterSp="0" type="title" userDrawn="1">
   <p:cSld name="Титульный слайд">
-    <p:bg bwMode="ltGray">
-      <p:bgPr shadeToTitle="0">
-        <a:blipFill>
-          <a:blip r:embed="rId2">
-            <a:lum/>
-          </a:blip>
-          <a:srcRect l="0" t="12686" r="0" b="12686"/>
-          <a:stretch/>
-        </a:blipFill>
-      </p:bgPr>
-    </p:bg>
     <p:spTree>
       <p:nvGrpSpPr>
         <p:cNvPr id="1" name=""/>
@@ -134,38 +123,68 @@
       </p:grpSpPr>
       <p:sp>
         <p:nvSpPr>
-          <p:cNvPr id="2" name="Заголовок 1"/>
-          <p:cNvSpPr>
-            <a:spLocks noGrp="1"/>
-          </p:cNvSpPr>
-          <p:nvPr>
-            <p:ph type="ctrTitle"/>
-          </p:nvPr>
+          <p:cNvPr id="7" name="Прямоугольник 6"/>
+          <p:cNvSpPr/>
+          <p:nvPr/>
         </p:nvSpPr>
         <p:spPr bwMode="auto">
           <a:xfrm>
-            <a:off x="1065214" y="1828800"/>
-            <a:ext cx="8229600" cy="2895600"/>
+            <a:off x="-6843" y="2059012"/>
+            <a:ext cx="12195668" cy="1828800"/>
+          </a:xfrm>
+          <a:prstGeom prst="rect">
+            <a:avLst/>
+          </a:prstGeom>
+          <a:solidFill>
+            <a:schemeClr val="tx1"/>
+          </a:solidFill>
+          <a:ln>
+            <a:noFill/>
+          </a:ln>
+        </p:spPr>
+        <p:style>
+          <a:lnRef idx="2">
+            <a:schemeClr val="accent1">
+              <a:shade val="50000"/>
+            </a:schemeClr>
+          </a:lnRef>
+          <a:fillRef idx="1">
+            <a:schemeClr val="accent1"/>
+          </a:fillRef>
+          <a:effectRef idx="0">
+            <a:schemeClr val="accent1"/>
+          </a:effectRef>
+          <a:fontRef idx="minor">
+            <a:schemeClr val="lt1"/>
+          </a:fontRef>
+        </p:style>
+      </p:sp>
+      <p:sp>
+        <p:nvSpPr>
+          <p:cNvPr id="2" name="Заголовок 1"/>
+          <p:cNvSpPr>
+            <a:spLocks noGrp="1"/>
+          </p:cNvSpPr>
+          <p:nvPr>
+            <p:ph type="ctrTitle"/>
+          </p:nvPr>
+        </p:nvSpPr>
+        <p:spPr bwMode="auto">
+          <a:xfrm>
+            <a:off x="365759" y="2166364"/>
+            <a:ext cx="11471565" cy="1739347"/>
           </a:xfrm>
         </p:spPr>
         <p:txBody>
-          <a:bodyPr rtlCol="0" anchor="b">
+          <a:bodyPr tIns="45720" bIns="45720" rtlCol="0" anchor="ctr">
             <a:normAutofit/>
           </a:bodyPr>
           <a:lstStyle>
-            <a:lvl1pPr>
+            <a:lvl1pPr algn="ctr">
               <a:lnSpc>
                 <a:spcPct val="80000"/>
               </a:lnSpc>
-              <a:defRPr sz="6600" b="1" cap="none" spc="0">
-                <a:ln w="9525">
-                  <a:noFill/>
-                  <a:prstDash val="solid"/>
-                </a:ln>
-                <a:solidFill>
-                  <a:schemeClr val="tx1"/>
-                </a:solidFill>
-              </a:defRPr>
+              <a:defRPr sz="6000" spc="150"/>
             </a:lvl1pPr>
           </a:lstStyle>
           <a:p>
@@ -176,13 +195,13 @@
               <a:rPr lang="ru-RU"/>
               <a:t>Образец заголовка</a:t>
             </a:r>
-            <a:endParaRPr lang="ru-RU"/>
-          </a:p>
-        </p:txBody>
-      </p:sp>
-      <p:sp>
-        <p:nvSpPr>
-          <p:cNvPr id="3" name="Подзаголовок 2"/>
+            <a:endParaRPr/>
+          </a:p>
+        </p:txBody>
+      </p:sp>
+      <p:sp>
+        <p:nvSpPr>
+          <p:cNvPr id="3" name="Подзаголовок 2"/>
           <p:cNvSpPr>
             <a:spLocks noGrp="1"/>
           </p:cNvSpPr>
@@ -192,8 +211,8 @@
         </p:nvSpPr>
         <p:spPr bwMode="auto">
           <a:xfrm>
-            <a:off x="1065213" y="4800600"/>
-            <a:ext cx="8229600" cy="1219200"/>
+            <a:off x="1524000" y="3996250"/>
+            <a:ext cx="9144000" cy="1309254"/>
           </a:xfrm>
         </p:spPr>
         <p:txBody>
@@ -201,96 +220,41 @@
             <a:normAutofit/>
           </a:bodyPr>
           <a:lstStyle>
-            <a:lvl1pPr marL="0" indent="0" algn="l">
-              <a:spcBef>
-                <a:spcPts val="0"/>
-              </a:spcBef>
-              <a:buNone/>
-              <a:defRPr sz="2000" b="1" cap="all" spc="200">
-                <a:solidFill>
-                  <a:schemeClr val="accent1"/>
-                </a:solidFill>
-              </a:defRPr>
+            <a:lvl1pPr marL="0" indent="0" algn="ctr">
+              <a:buNone/>
+              <a:defRPr sz="2000"/>
             </a:lvl1pPr>
             <a:lvl2pPr marL="457200" indent="0" algn="ctr">
               <a:buNone/>
-              <a:defRPr>
-                <a:solidFill>
-                  <a:schemeClr val="tx1">
-                    <a:tint val="75000"/>
-                  </a:schemeClr>
-                </a:solidFill>
-              </a:defRPr>
+              <a:defRPr sz="2000"/>
             </a:lvl2pPr>
             <a:lvl3pPr marL="914400" indent="0" algn="ctr">
               <a:buNone/>
-              <a:defRPr>
-                <a:solidFill>
-                  <a:schemeClr val="tx1">
-                    <a:tint val="75000"/>
-                  </a:schemeClr>
-                </a:solidFill>
-              </a:defRPr>
+              <a:defRPr sz="2000"/>
             </a:lvl3pPr>
             <a:lvl4pPr marL="1371600" indent="0" algn="ctr">
               <a:buNone/>
-              <a:defRPr>
-                <a:solidFill>
-                  <a:schemeClr val="tx1">
-                    <a:tint val="75000"/>
-                  </a:schemeClr>
-                </a:solidFill>
-              </a:defRPr>
+              <a:defRPr sz="2000"/>
             </a:lvl4pPr>
             <a:lvl5pPr marL="1828800" indent="0" algn="ctr">
               <a:buNone/>
-              <a:defRPr>
-                <a:solidFill>
-                  <a:schemeClr val="tx1">
-                    <a:tint val="75000"/>
-                  </a:schemeClr>
-                </a:solidFill>
-              </a:defRPr>
+              <a:defRPr sz="2000"/>
             </a:lvl5pPr>
             <a:lvl6pPr marL="2286000" indent="0" algn="ctr">
               <a:buNone/>
-              <a:defRPr>
-                <a:solidFill>
-                  <a:schemeClr val="tx1">
-                    <a:tint val="75000"/>
-                  </a:schemeClr>
-                </a:solidFill>
-              </a:defRPr>
+              <a:defRPr sz="2000"/>
             </a:lvl6pPr>
             <a:lvl7pPr marL="2743200" indent="0" algn="ctr">
               <a:buNone/>
-              <a:defRPr>
-                <a:solidFill>
-                  <a:schemeClr val="tx1">
-                    <a:tint val="75000"/>
-                  </a:schemeClr>
-                </a:solidFill>
-              </a:defRPr>
+              <a:defRPr sz="2000"/>
             </a:lvl7pPr>
             <a:lvl8pPr marL="3200400" indent="0" algn="ctr">
               <a:buNone/>
-              <a:defRPr>
-                <a:solidFill>
-                  <a:schemeClr val="tx1">
-                    <a:tint val="75000"/>
-                  </a:schemeClr>
-                </a:solidFill>
-              </a:defRPr>
+              <a:defRPr sz="2000"/>
             </a:lvl8pPr>
             <a:lvl9pPr marL="3657600" indent="0" algn="ctr">
               <a:buNone/>
-              <a:defRPr>
-                <a:solidFill>
-                  <a:schemeClr val="tx1">
-                    <a:tint val="75000"/>
-                  </a:schemeClr>
-                </a:solidFill>
-              </a:defRPr>
+              <a:defRPr sz="2000"/>
             </a:lvl9pPr>
           </a:lstStyle>
           <a:p>
@@ -301,13 +265,13 @@
               <a:rPr lang="ru-RU"/>
               <a:t>Образец подзаголовка</a:t>
             </a:r>
-            <a:endParaRPr lang="ru-RU"/>
-          </a:p>
-        </p:txBody>
-      </p:sp>
-      <p:sp>
-        <p:nvSpPr>
-          <p:cNvPr id="7" name="Дата 6"/>
+            <a:endParaRPr/>
+          </a:p>
+        </p:txBody>
+      </p:sp>
+      <p:sp>
+        <p:nvSpPr>
+          <p:cNvPr id="4" name="Дата 3"/>
           <p:cNvSpPr>
             <a:spLocks noGrp="1"/>
           </p:cNvSpPr>
@@ -318,16 +282,12 @@
         <p:spPr bwMode="auto"/>
         <p:txBody>
           <a:bodyPr rtlCol="0"/>
-          <a:lstStyle>
-            <a:lvl1pPr>
-              <a:defRPr sz="1100"/>
-            </a:lvl1pPr>
-          </a:lstStyle>
-          <a:p>
-            <a:pPr>
-              <a:defRPr/>
-            </a:pPr>
-            <a:fld id="{13E329DD-8E00-483E-B4AE-26D3A5736254}" type="datetime1">
+          <a:lstStyle/>
+          <a:p>
+            <a:pPr>
+              <a:defRPr/>
+            </a:pPr>
+            <a:fld id="{25545269-FB51-4A0D-B0CF-F5F4A60711B3}" type="datetime1">
               <a:rPr lang="ru-RU"/>
               <a:t/>
             </a:fld>
@@ -337,7 +297,7 @@
       </p:sp>
       <p:sp>
         <p:nvSpPr>
-          <p:cNvPr id="8" name="Нижний колонтитул 7"/>
+          <p:cNvPr id="5" name="Нижний колонтитул 4"/>
           <p:cNvSpPr>
             <a:spLocks noGrp="1"/>
           </p:cNvSpPr>
@@ -348,26 +308,18 @@
         <p:spPr bwMode="auto"/>
         <p:txBody>
           <a:bodyPr rtlCol="0"/>
-          <a:lstStyle>
-            <a:lvl1pPr>
-              <a:defRPr sz="1100"/>
-            </a:lvl1pPr>
-          </a:lstStyle>
-          <a:p>
-            <a:pPr>
-              <a:defRPr/>
-            </a:pPr>
-            <a:r>
-              <a:rPr lang="ru-RU"/>
-              <a:t>Добавить нижний колонтитул</a:t>
-            </a:r>
+          <a:lstStyle/>
+          <a:p>
+            <a:pPr>
+              <a:defRPr/>
+            </a:pPr>
             <a:endParaRPr lang="ru-RU"/>
           </a:p>
         </p:txBody>
       </p:sp>
       <p:sp>
         <p:nvSpPr>
-          <p:cNvPr id="9" name="Номер слайда 8"/>
+          <p:cNvPr id="6" name="Номер слайда 5"/>
           <p:cNvSpPr>
             <a:spLocks noGrp="1"/>
           </p:cNvSpPr>
@@ -378,16 +330,12 @@
         <p:spPr bwMode="auto"/>
         <p:txBody>
           <a:bodyPr rtlCol="0"/>
-          <a:lstStyle>
-            <a:lvl1pPr>
-              <a:defRPr sz="1100"/>
-            </a:lvl1pPr>
-          </a:lstStyle>
-          <a:p>
-            <a:pPr>
-              <a:defRPr/>
-            </a:pPr>
-            <a:fld id="{2A013F82-EE5E-44EE-A61D-E31C6657F26F}" type="slidenum">
+          <a:lstStyle/>
+          <a:p>
+            <a:pPr>
+              <a:defRPr/>
+            </a:pPr>
+            <a:fld id="{4FAB73BC-B049-4115-A692-8D63A059BFB8}" type="slidenum">
               <a:rPr lang="ru-RU"/>
               <a:t/>
             </a:fld>
@@ -422,7 +370,7 @@
       </p:grpSpPr>
       <p:sp>
         <p:nvSpPr>
-          <p:cNvPr id="2" name="Заголовок 1"/>
+          <p:cNvPr id="2" name="Заголовок 1"/>
           <p:cNvSpPr>
             <a:spLocks noGrp="1"/>
           </p:cNvSpPr>
@@ -442,7 +390,7 @@
               <a:rPr lang="ru-RU"/>
               <a:t>Образец заголовка</a:t>
             </a:r>
-            <a:endParaRPr lang="ru-RU"/>
+            <a:endParaRPr/>
           </a:p>
         </p:txBody>
       </p:sp>
@@ -453,7 +401,7 @@
             <a:spLocks noGrp="1"/>
           </p:cNvSpPr>
           <p:nvPr>
-            <p:ph type="body" orient="vert" idx="1"/>
+            <p:ph type="body" orient="vert" idx="1" hasCustomPrompt="1"/>
           </p:nvPr>
         </p:nvSpPr>
         <p:spPr bwMode="auto"/>
@@ -466,7 +414,7 @@
             </a:pPr>
             <a:r>
               <a:rPr lang="ru-RU"/>
-              <a:t>Образец текста</a:t>
+              <a:t>Щелкните, чтобы изменить стили текста образца слайда</a:t>
             </a:r>
             <a:endParaRPr/>
           </a:p>
@@ -508,33 +456,7 @@
               <a:rPr lang="ru-RU"/>
               <a:t>Пятый уровень</a:t>
             </a:r>
-            <a:endParaRPr lang="ru-RU"/>
-          </a:p>
-        </p:txBody>
-      </p:sp>
-      <p:sp>
-        <p:nvSpPr>
-          <p:cNvPr id="5" name="Нижний колонтитул 4"/>
-          <p:cNvSpPr>
-            <a:spLocks noGrp="1"/>
-          </p:cNvSpPr>
-          <p:nvPr>
-            <p:ph type="ftr" sz="quarter" idx="11"/>
-          </p:nvPr>
-        </p:nvSpPr>
-        <p:spPr bwMode="auto"/>
-        <p:txBody>
-          <a:bodyPr rtlCol="0"/>
-          <a:lstStyle/>
-          <a:p>
-            <a:pPr>
-              <a:defRPr/>
-            </a:pPr>
-            <a:r>
-              <a:rPr lang="ru-RU"/>
-              <a:t>Добавить нижний колонтитул</a:t>
-            </a:r>
-            <a:endParaRPr lang="ru-RU"/>
+            <a:endParaRPr/>
           </a:p>
         </p:txBody>
       </p:sp>
@@ -556,7 +478,7 @@
             <a:pPr>
               <a:defRPr/>
             </a:pPr>
-            <a:fld id="{ACB07BE5-DA06-4D35-BE13-B710A91D1DD0}" type="datetime1">
+            <a:fld id="{CFAA3B05-DA0C-46B8-A27A-899BB142953C}" type="datetime1">
               <a:rPr lang="ru-RU"/>
               <a:t/>
             </a:fld>
@@ -566,7 +488,29 @@
       </p:sp>
       <p:sp>
         <p:nvSpPr>
-          <p:cNvPr id="6" name="Номер слайда 5"/>
+          <p:cNvPr id="5" name="Нижний колонтитул 4"/>
+          <p:cNvSpPr>
+            <a:spLocks noGrp="1"/>
+          </p:cNvSpPr>
+          <p:nvPr>
+            <p:ph type="ftr" sz="quarter" idx="11"/>
+          </p:nvPr>
+        </p:nvSpPr>
+        <p:spPr bwMode="auto"/>
+        <p:txBody>
+          <a:bodyPr rtlCol="0"/>
+          <a:lstStyle/>
+          <a:p>
+            <a:pPr>
+              <a:defRPr/>
+            </a:pPr>
+            <a:endParaRPr lang="ru-RU"/>
+          </a:p>
+        </p:txBody>
+      </p:sp>
+      <p:sp>
+        <p:nvSpPr>
+          <p:cNvPr id="6" name="Номер слайда 5"/>
           <p:cNvSpPr>
             <a:spLocks noGrp="1"/>
           </p:cNvSpPr>
@@ -582,7 +526,7 @@
             <a:pPr>
               <a:defRPr/>
             </a:pPr>
-            <a:fld id="{2A013F82-EE5E-44EE-A61D-E31C6657F26F}" type="slidenum">
+            <a:fld id="{4FAB73BC-B049-4115-A692-8D63A059BFB8}" type="slidenum">
               <a:rPr lang="ru-RU"/>
               <a:t/>
             </a:fld>
@@ -599,7 +543,7 @@
 </file>
 
 <file path=ppt/slideLayouts/slideLayout11.xml><?xml version="1.0" encoding="utf-8"?>
-<p:sldLayout xmlns:a="http://schemas.openxmlformats.org/drawingml/2006/main" xmlns:r="http://schemas.openxmlformats.org/officeDocument/2006/relationships" xmlns:p="http://schemas.openxmlformats.org/presentationml/2006/main" xmlns:m="http://schemas.openxmlformats.org/officeDocument/2006/math" xmlns:w="http://schemas.openxmlformats.org/wordprocessingml/2006/main" matchingName="" preserve="1" showMasterPhAnim="0" type="vertTitleAndTx" userDrawn="1">
+<p:sldLayout xmlns:a="http://schemas.openxmlformats.org/drawingml/2006/main" xmlns:r="http://schemas.openxmlformats.org/officeDocument/2006/relationships" xmlns:p="http://schemas.openxmlformats.org/presentationml/2006/main" xmlns:m="http://schemas.openxmlformats.org/officeDocument/2006/math" xmlns:w="http://schemas.openxmlformats.org/wordprocessingml/2006/main" matchingName="" preserve="1" showMasterPhAnim="0" showMasterSp="0" type="vertTitleAndTx" userDrawn="1">
   <p:cSld name="Вертикальный заголовок и текст">
     <p:spTree>
       <p:nvGrpSpPr>
@@ -617,18 +561,56 @@
       </p:grpSpPr>
       <p:sp>
         <p:nvSpPr>
-          <p:cNvPr id="2" name="Вертикальный заголовок 1"/>
-          <p:cNvSpPr>
-            <a:spLocks noGrp="1"/>
-          </p:cNvSpPr>
-          <p:nvPr>
-            <p:ph type="title" orient="vert"/>
-          </p:nvPr>
+          <p:cNvPr id="7" name="Прямоугольник 6"/>
+          <p:cNvSpPr/>
+          <p:nvPr/>
         </p:nvSpPr>
         <p:spPr bwMode="auto">
           <a:xfrm>
-            <a:off x="9142412" y="381001"/>
-            <a:ext cx="1524001" cy="5638800"/>
+            <a:off x="9019312" y="0"/>
+            <a:ext cx="2743200" cy="6858000"/>
+          </a:xfrm>
+          <a:prstGeom prst="rect">
+            <a:avLst/>
+          </a:prstGeom>
+          <a:solidFill>
+            <a:schemeClr val="tx1"/>
+          </a:solidFill>
+          <a:ln>
+            <a:noFill/>
+          </a:ln>
+        </p:spPr>
+        <p:style>
+          <a:lnRef idx="2">
+            <a:schemeClr val="accent1">
+              <a:shade val="50000"/>
+            </a:schemeClr>
+          </a:lnRef>
+          <a:fillRef idx="1">
+            <a:schemeClr val="accent1"/>
+          </a:fillRef>
+          <a:effectRef idx="0">
+            <a:schemeClr val="accent1"/>
+          </a:effectRef>
+          <a:fontRef idx="minor">
+            <a:schemeClr val="lt1"/>
+          </a:fontRef>
+        </p:style>
+      </p:sp>
+      <p:sp>
+        <p:nvSpPr>
+          <p:cNvPr id="2" name="Вертикальный заголовок 1"/>
+          <p:cNvSpPr>
+            <a:spLocks noGrp="1"/>
+          </p:cNvSpPr>
+          <p:nvPr>
+            <p:ph type="title" orient="vert"/>
+          </p:nvPr>
+        </p:nvSpPr>
+        <p:spPr bwMode="auto">
+          <a:xfrm>
+            <a:off x="9160624" y="274638"/>
+            <a:ext cx="2402380" cy="5897562"/>
           </a:xfrm>
         </p:spPr>
         <p:txBody>
@@ -642,7 +624,7 @@
               <a:rPr lang="ru-RU"/>
               <a:t>Образец заголовка</a:t>
             </a:r>
-            <a:endParaRPr lang="ru-RU"/>
+            <a:endParaRPr/>
           </a:p>
         </p:txBody>
       </p:sp>
@@ -653,13 +635,13 @@
             <a:spLocks noGrp="1"/>
           </p:cNvSpPr>
           <p:nvPr>
-            <p:ph type="body" orient="vert" idx="1"/>
+            <p:ph type="body" orient="vert" idx="1" hasCustomPrompt="1"/>
           </p:nvPr>
         </p:nvSpPr>
         <p:spPr bwMode="auto">
           <a:xfrm>
-            <a:off x="1522412" y="381001"/>
-            <a:ext cx="7391399" cy="5638800"/>
+            <a:off x="838198" y="274638"/>
+            <a:ext cx="7973291" cy="5897562"/>
           </a:xfrm>
         </p:spPr>
         <p:txBody>
@@ -671,7 +653,7 @@
             </a:pPr>
             <a:r>
               <a:rPr lang="ru-RU"/>
-              <a:t>Образец текста</a:t>
+              <a:t>Щелкните, чтобы изменить стили текста образца слайда</a:t>
             </a:r>
             <a:endParaRPr/>
           </a:p>
@@ -713,33 +695,7 @@
               <a:rPr lang="ru-RU"/>
               <a:t>Пятый уровень</a:t>
             </a:r>
-            <a:endParaRPr lang="ru-RU"/>
-          </a:p>
-        </p:txBody>
-      </p:sp>
-      <p:sp>
-        <p:nvSpPr>
-          <p:cNvPr id="5" name="Нижний колонтитул 4"/>
-          <p:cNvSpPr>
-            <a:spLocks noGrp="1"/>
-          </p:cNvSpPr>
-          <p:nvPr>
-            <p:ph type="ftr" sz="quarter" idx="11"/>
-          </p:nvPr>
-        </p:nvSpPr>
-        <p:spPr bwMode="auto"/>
-        <p:txBody>
-          <a:bodyPr rtlCol="0"/>
-          <a:lstStyle/>
-          <a:p>
-            <a:pPr>
-              <a:defRPr/>
-            </a:pPr>
-            <a:r>
-              <a:rPr lang="ru-RU"/>
-              <a:t>Добавить нижний колонтитул</a:t>
-            </a:r>
-            <a:endParaRPr lang="ru-RU"/>
+            <a:endParaRPr/>
           </a:p>
         </p:txBody>
       </p:sp>
@@ -753,15 +709,20 @@
             <p:ph type="dt" sz="half" idx="10"/>
           </p:nvPr>
         </p:nvSpPr>
-        <p:spPr bwMode="auto"/>
-        <p:txBody>
-          <a:bodyPr rtlCol="0"/>
-          <a:lstStyle/>
-          <a:p>
-            <a:pPr>
-              <a:defRPr/>
-            </a:pPr>
-            <a:fld id="{4123C60E-9D2C-48AD-92D7-AAEC0C711B5C}" type="datetime1">
+        <p:spPr bwMode="auto">
+          <a:xfrm>
+            <a:off x="838200" y="6422854"/>
+            <a:ext cx="2743196" cy="365125"/>
+          </a:xfrm>
+        </p:spPr>
+        <p:txBody>
+          <a:bodyPr rtlCol="0"/>
+          <a:lstStyle/>
+          <a:p>
+            <a:pPr>
+              <a:defRPr/>
+            </a:pPr>
+            <a:fld id="{E791261C-C197-4029-8656-EFC296A5803C}" type="datetime1">
               <a:rPr lang="ru-RU"/>
               <a:t/>
             </a:fld>
@@ -771,7 +732,34 @@
       </p:sp>
       <p:sp>
         <p:nvSpPr>
-          <p:cNvPr id="6" name="Номер слайда 5"/>
+          <p:cNvPr id="5" name="Нижний колонтитул 4"/>
+          <p:cNvSpPr>
+            <a:spLocks noGrp="1"/>
+          </p:cNvSpPr>
+          <p:nvPr>
+            <p:ph type="ftr" sz="quarter" idx="11"/>
+          </p:nvPr>
+        </p:nvSpPr>
+        <p:spPr bwMode="auto">
+          <a:xfrm>
+            <a:off x="3776134" y="6422854"/>
+            <a:ext cx="4279669" cy="365125"/>
+          </a:xfrm>
+        </p:spPr>
+        <p:txBody>
+          <a:bodyPr rtlCol="0"/>
+          <a:lstStyle/>
+          <a:p>
+            <a:pPr>
+              <a:defRPr/>
+            </a:pPr>
+            <a:endParaRPr lang="ru-RU"/>
+          </a:p>
+        </p:txBody>
+      </p:sp>
+      <p:sp>
+        <p:nvSpPr>
+          <p:cNvPr id="6" name="Номер слайда 5"/>
           <p:cNvSpPr>
             <a:spLocks noGrp="1"/>
           </p:cNvSpPr>
@@ -779,15 +767,20 @@
             <p:ph type="sldNum" sz="quarter" idx="12"/>
           </p:nvPr>
         </p:nvSpPr>
-        <p:spPr bwMode="auto"/>
-        <p:txBody>
-          <a:bodyPr rtlCol="0"/>
-          <a:lstStyle/>
-          <a:p>
-            <a:pPr>
-              <a:defRPr/>
-            </a:pPr>
-            <a:fld id="{2A013F82-EE5E-44EE-A61D-E31C6657F26F}" type="slidenum">
+        <p:spPr bwMode="auto">
+          <a:xfrm>
+            <a:off x="8073048" y="6422854"/>
+            <a:ext cx="879759" cy="365125"/>
+          </a:xfrm>
+        </p:spPr>
+        <p:txBody>
+          <a:bodyPr rtlCol="0"/>
+          <a:lstStyle/>
+          <a:p>
+            <a:pPr>
+              <a:defRPr/>
+            </a:pPr>
+            <a:fld id="{4FAB73BC-B049-4115-A692-8D63A059BFB8}" type="slidenum">
               <a:rPr lang="ru-RU"/>
               <a:t/>
             </a:fld>
@@ -822,7 +815,7 @@
       </p:grpSpPr>
       <p:sp>
         <p:nvSpPr>
-          <p:cNvPr id="2" name="Заголовок 1"/>
+          <p:cNvPr id="2" name="Заголовок 1"/>
           <p:cNvSpPr>
             <a:spLocks noGrp="1"/>
           </p:cNvSpPr>
@@ -842,7 +835,7 @@
               <a:rPr lang="ru-RU"/>
               <a:t>Образец заголовка</a:t>
             </a:r>
-            <a:endParaRPr lang="ru-RU"/>
+            <a:endParaRPr/>
           </a:p>
         </p:txBody>
       </p:sp>
@@ -853,27 +846,20 @@
             <a:spLocks noGrp="1"/>
           </p:cNvSpPr>
           <p:nvPr>
-            <p:ph idx="1"/>
-          </p:nvPr>
-        </p:nvSpPr>
-        <p:spPr bwMode="auto"/>
-        <p:txBody>
-          <a:bodyPr rtlCol="0"/>
-          <a:lstStyle>
-            <a:lvl5pPr>
-              <a:defRPr/>
-            </a:lvl5pPr>
-            <a:lvl6pPr>
-              <a:defRPr/>
-            </a:lvl6pPr>
-          </a:lstStyle>
+            <p:ph idx="1" hasCustomPrompt="1"/>
+          </p:nvPr>
+        </p:nvSpPr>
+        <p:spPr bwMode="auto"/>
+        <p:txBody>
+          <a:bodyPr rtlCol="0"/>
+          <a:lstStyle/>
           <a:p>
             <a:pPr lvl="0">
               <a:defRPr/>
             </a:pPr>
             <a:r>
               <a:rPr lang="ru-RU"/>
-              <a:t>Образец текста</a:t>
+              <a:t>Щелкните, чтобы изменить стили текста образца слайда</a:t>
             </a:r>
             <a:endParaRPr/>
           </a:p>
@@ -915,33 +901,7 @@
               <a:rPr lang="ru-RU"/>
               <a:t>Пятый уровень</a:t>
             </a:r>
-            <a:endParaRPr lang="ru-RU"/>
-          </a:p>
-        </p:txBody>
-      </p:sp>
-      <p:sp>
-        <p:nvSpPr>
-          <p:cNvPr id="5" name="Нижний колонтитул 4"/>
-          <p:cNvSpPr>
-            <a:spLocks noGrp="1"/>
-          </p:cNvSpPr>
-          <p:nvPr>
-            <p:ph type="ftr" sz="quarter" idx="11"/>
-          </p:nvPr>
-        </p:nvSpPr>
-        <p:spPr bwMode="auto"/>
-        <p:txBody>
-          <a:bodyPr rtlCol="0"/>
-          <a:lstStyle/>
-          <a:p>
-            <a:pPr>
-              <a:defRPr/>
-            </a:pPr>
-            <a:r>
-              <a:rPr lang="ru-RU"/>
-              <a:t>Добавить нижний колонтитул</a:t>
-            </a:r>
-            <a:endParaRPr lang="ru-RU"/>
+            <a:endParaRPr/>
           </a:p>
         </p:txBody>
       </p:sp>
@@ -963,7 +923,7 @@
             <a:pPr>
               <a:defRPr/>
             </a:pPr>
-            <a:fld id="{7C4D4E4C-7762-47FE-91F1-992CFE3F8233}" type="datetime1">
+            <a:fld id="{D3834EF1-EB0D-4C4F-80B4-CFC66AC9F333}" type="datetime1">
               <a:rPr lang="ru-RU"/>
               <a:t/>
             </a:fld>
@@ -973,7 +933,29 @@
       </p:sp>
       <p:sp>
         <p:nvSpPr>
-          <p:cNvPr id="6" name="Номер слайда 5"/>
+          <p:cNvPr id="5" name="Нижний колонтитул 4"/>
+          <p:cNvSpPr>
+            <a:spLocks noGrp="1"/>
+          </p:cNvSpPr>
+          <p:nvPr>
+            <p:ph type="ftr" sz="quarter" idx="11"/>
+          </p:nvPr>
+        </p:nvSpPr>
+        <p:spPr bwMode="auto"/>
+        <p:txBody>
+          <a:bodyPr rtlCol="0"/>
+          <a:lstStyle/>
+          <a:p>
+            <a:pPr>
+              <a:defRPr/>
+            </a:pPr>
+            <a:endParaRPr lang="ru-RU"/>
+          </a:p>
+        </p:txBody>
+      </p:sp>
+      <p:sp>
+        <p:nvSpPr>
+          <p:cNvPr id="6" name="Номер слайда 5"/>
           <p:cNvSpPr>
             <a:spLocks noGrp="1"/>
           </p:cNvSpPr>
@@ -989,7 +971,7 @@
             <a:pPr>
               <a:defRPr/>
             </a:pPr>
-            <a:fld id="{2A013F82-EE5E-44EE-A61D-E31C6657F26F}" type="slidenum">
+            <a:fld id="{4FAB73BC-B049-4115-A692-8D63A059BFB8}" type="slidenum">
               <a:rPr lang="ru-RU"/>
               <a:t/>
             </a:fld>
@@ -1006,8 +988,13 @@
 </file>
 
 <file path=ppt/slideLayouts/slideLayout3.xml><?xml version="1.0" encoding="utf-8"?>
-<p:sldLayout xmlns:a="http://schemas.openxmlformats.org/drawingml/2006/main" xmlns:r="http://schemas.openxmlformats.org/officeDocument/2006/relationships" xmlns:p="http://schemas.openxmlformats.org/presentationml/2006/main" xmlns:m="http://schemas.openxmlformats.org/officeDocument/2006/math" xmlns:w="http://schemas.openxmlformats.org/wordprocessingml/2006/main" matchingName="" preserve="1" showMasterPhAnim="0" type="secHead" userDrawn="1">
+<p:sldLayout xmlns:a="http://schemas.openxmlformats.org/drawingml/2006/main" xmlns:r="http://schemas.openxmlformats.org/officeDocument/2006/relationships" xmlns:p="http://schemas.openxmlformats.org/presentationml/2006/main" xmlns:m="http://schemas.openxmlformats.org/officeDocument/2006/math" xmlns:w="http://schemas.openxmlformats.org/wordprocessingml/2006/main" matchingName="" preserve="1" showMasterPhAnim="0" showMasterSp="0" type="secHead" userDrawn="1">
   <p:cSld name="Заголовок раздела">
+    <p:bg>
+      <p:bgRef idx="1001">
+        <a:schemeClr val="bg1"/>
+      </p:bgRef>
+    </p:bg>
     <p:spTree>
       <p:nvGrpSpPr>
         <p:cNvPr id="1" name=""/>
@@ -1024,30 +1011,72 @@
       </p:grpSpPr>
       <p:sp>
         <p:nvSpPr>
-          <p:cNvPr id="2" name="Заголовок 1"/>
-          <p:cNvSpPr>
-            <a:spLocks noGrp="1"/>
-          </p:cNvSpPr>
-          <p:nvPr>
-            <p:ph type="title"/>
-          </p:nvPr>
+          <p:cNvPr id="7" name="Прямоугольник 6"/>
+          <p:cNvSpPr/>
+          <p:nvPr/>
         </p:nvSpPr>
         <p:spPr bwMode="auto">
           <a:xfrm>
-            <a:off x="1059614" y="2514600"/>
-            <a:ext cx="8692399" cy="2819400"/>
+            <a:off x="-6843" y="2059012"/>
+            <a:ext cx="12195668" cy="1828800"/>
+          </a:xfrm>
+          <a:prstGeom prst="rect">
+            <a:avLst/>
+          </a:prstGeom>
+          <a:solidFill>
+            <a:schemeClr val="tx2"/>
+          </a:solidFill>
+          <a:ln>
+            <a:noFill/>
+          </a:ln>
+        </p:spPr>
+        <p:style>
+          <a:lnRef idx="2">
+            <a:schemeClr val="accent1">
+              <a:shade val="50000"/>
+            </a:schemeClr>
+          </a:lnRef>
+          <a:fillRef idx="1">
+            <a:schemeClr val="accent1"/>
+          </a:fillRef>
+          <a:effectRef idx="0">
+            <a:schemeClr val="accent1"/>
+          </a:effectRef>
+          <a:fontRef idx="minor">
+            <a:schemeClr val="lt1"/>
+          </a:fontRef>
+        </p:style>
+      </p:sp>
+      <p:sp>
+        <p:nvSpPr>
+          <p:cNvPr id="2" name="Заголовок 1"/>
+          <p:cNvSpPr>
+            <a:spLocks noGrp="1"/>
+          </p:cNvSpPr>
+          <p:nvPr>
+            <p:ph type="title"/>
+          </p:nvPr>
+        </p:nvSpPr>
+        <p:spPr bwMode="auto">
+          <a:xfrm>
+            <a:off x="833191" y="2208879"/>
+            <a:ext cx="10515600" cy="1676400"/>
           </a:xfrm>
         </p:spPr>
         <p:txBody>
-          <a:bodyPr rtlCol="0" anchor="b">
-            <a:normAutofit/>
+          <a:bodyPr rtlCol="0" anchor="ctr">
+            <a:noAutofit/>
           </a:bodyPr>
           <a:lstStyle>
-            <a:lvl1pPr algn="l">
+            <a:lvl1pPr algn="ctr">
               <a:lnSpc>
                 <a:spcPct val="80000"/>
               </a:lnSpc>
-              <a:defRPr sz="4800" b="0" cap="none"/>
+              <a:defRPr sz="6000" b="0" spc="150">
+                <a:solidFill>
+                  <a:schemeClr val="bg1"/>
+                </a:solidFill>
+              </a:defRPr>
             </a:lvl1pPr>
           </a:lstStyle>
           <a:p>
@@ -1058,7 +1087,7 @@
               <a:rPr lang="ru-RU"/>
               <a:t>Образец заголовка</a:t>
             </a:r>
-            <a:endParaRPr lang="ru-RU"/>
+            <a:endParaRPr/>
           </a:p>
         </p:txBody>
       </p:sp>
@@ -1069,13 +1098,13 @@
             <a:spLocks noGrp="1"/>
           </p:cNvSpPr>
           <p:nvPr>
-            <p:ph type="body" idx="1"/>
+            <p:ph type="body" idx="1" hasCustomPrompt="1"/>
           </p:nvPr>
         </p:nvSpPr>
         <p:spPr bwMode="auto">
           <a:xfrm>
-            <a:off x="1065213" y="5410200"/>
-            <a:ext cx="8687333" cy="609601"/>
+            <a:off x="833191" y="4010334"/>
+            <a:ext cx="10515600" cy="1174639"/>
           </a:xfrm>
         </p:spPr>
         <p:txBody>
@@ -1083,14 +1112,11 @@
             <a:normAutofit/>
           </a:bodyPr>
           <a:lstStyle>
-            <a:lvl1pPr marL="0" indent="0">
-              <a:spcBef>
-                <a:spcPts val="0"/>
-              </a:spcBef>
-              <a:buNone/>
-              <a:defRPr sz="2000" cap="all" spc="200">
+            <a:lvl1pPr marL="0" indent="0" algn="ctr">
+              <a:buNone/>
+              <a:defRPr sz="2000">
                 <a:solidFill>
-                  <a:schemeClr val="accent1"/>
+                  <a:schemeClr val="tx2"/>
                 </a:solidFill>
               </a:defRPr>
             </a:lvl1pPr>
@@ -1181,35 +1207,9 @@
             </a:pPr>
             <a:r>
               <a:rPr lang="ru-RU"/>
-              <a:t>Образец текста</a:t>
-            </a:r>
-            <a:endParaRPr lang="ru-RU"/>
-          </a:p>
-        </p:txBody>
-      </p:sp>
-      <p:sp>
-        <p:nvSpPr>
-          <p:cNvPr id="5" name="Нижний колонтитул 4"/>
-          <p:cNvSpPr>
-            <a:spLocks noGrp="1"/>
-          </p:cNvSpPr>
-          <p:nvPr>
-            <p:ph type="ftr" sz="quarter" idx="11"/>
-          </p:nvPr>
-        </p:nvSpPr>
-        <p:spPr bwMode="auto"/>
-        <p:txBody>
-          <a:bodyPr rtlCol="0"/>
-          <a:lstStyle/>
-          <a:p>
-            <a:pPr>
-              <a:defRPr/>
-            </a:pPr>
-            <a:r>
-              <a:rPr lang="ru-RU"/>
-              <a:t>Добавить нижний колонтитул</a:t>
-            </a:r>
-            <a:endParaRPr lang="ru-RU"/>
+              <a:t>Щелкните, чтобы изменить стили текста образца слайда</a:t>
+            </a:r>
+            <a:endParaRPr/>
           </a:p>
         </p:txBody>
       </p:sp>
@@ -1226,12 +1226,20 @@
         <p:spPr bwMode="auto"/>
         <p:txBody>
           <a:bodyPr rtlCol="0"/>
-          <a:lstStyle/>
-          <a:p>
-            <a:pPr>
-              <a:defRPr/>
-            </a:pPr>
-            <a:fld id="{D7C413B4-7BA1-4DDE-A3A9-BEDEDDBAD88A}" type="datetime1">
+          <a:lstStyle>
+            <a:lvl1pPr>
+              <a:defRPr>
+                <a:solidFill>
+                  <a:schemeClr val="tx2"/>
+                </a:solidFill>
+              </a:defRPr>
+            </a:lvl1pPr>
+          </a:lstStyle>
+          <a:p>
+            <a:pPr>
+              <a:defRPr/>
+            </a:pPr>
+            <a:fld id="{172CF6A8-4FDC-40D7-8BAE-6878CA90E52F}" type="datetime1">
               <a:rPr lang="ru-RU"/>
               <a:t/>
             </a:fld>
@@ -1241,7 +1249,37 @@
       </p:sp>
       <p:sp>
         <p:nvSpPr>
-          <p:cNvPr id="6" name="Номер слайда 5"/>
+          <p:cNvPr id="5" name="Нижний колонтитул 4"/>
+          <p:cNvSpPr>
+            <a:spLocks noGrp="1"/>
+          </p:cNvSpPr>
+          <p:nvPr>
+            <p:ph type="ftr" sz="quarter" idx="11"/>
+          </p:nvPr>
+        </p:nvSpPr>
+        <p:spPr bwMode="auto"/>
+        <p:txBody>
+          <a:bodyPr rtlCol="0"/>
+          <a:lstStyle>
+            <a:lvl1pPr>
+              <a:defRPr>
+                <a:solidFill>
+                  <a:schemeClr val="tx2"/>
+                </a:solidFill>
+              </a:defRPr>
+            </a:lvl1pPr>
+          </a:lstStyle>
+          <a:p>
+            <a:pPr>
+              <a:defRPr/>
+            </a:pPr>
+            <a:endParaRPr lang="ru-RU"/>
+          </a:p>
+        </p:txBody>
+      </p:sp>
+      <p:sp>
+        <p:nvSpPr>
+          <p:cNvPr id="6" name="Номер слайда 5"/>
           <p:cNvSpPr>
             <a:spLocks noGrp="1"/>
           </p:cNvSpPr>
@@ -1252,12 +1290,20 @@
         <p:spPr bwMode="auto"/>
         <p:txBody>
           <a:bodyPr rtlCol="0"/>
-          <a:lstStyle/>
-          <a:p>
-            <a:pPr>
-              <a:defRPr/>
-            </a:pPr>
-            <a:fld id="{2A013F82-EE5E-44EE-A61D-E31C6657F26F}" type="slidenum">
+          <a:lstStyle>
+            <a:lvl1pPr>
+              <a:defRPr>
+                <a:solidFill>
+                  <a:schemeClr val="tx2"/>
+                </a:solidFill>
+              </a:defRPr>
+            </a:lvl1pPr>
+          </a:lstStyle>
+          <a:p>
+            <a:pPr>
+              <a:defRPr/>
+            </a:pPr>
+            <a:fld id="{4FAB73BC-B049-4115-A692-8D63A059BFB8}" type="slidenum">
               <a:rPr lang="ru-RU"/>
               <a:t/>
             </a:fld>
@@ -1268,14 +1314,14 @@
     </p:spTree>
   </p:cSld>
   <p:clrMapOvr>
-    <a:masterClrMapping/>
+    <a:overrideClrMapping bg1="lt1" tx1="dk1" bg2="lt2" tx2="dk2" accent1="accent1" accent2="accent2" accent3="accent3" accent4="accent4" accent5="accent5" accent6="accent6" hlink="hlink" folHlink="folHlink"/>
   </p:clrMapOvr>
 </p:sldLayout>
 </file>
 
 <file path=ppt/slideLayouts/slideLayout4.xml><?xml version="1.0" encoding="utf-8"?>
 <p:sldLayout xmlns:a="http://schemas.openxmlformats.org/drawingml/2006/main" xmlns:r="http://schemas.openxmlformats.org/officeDocument/2006/relationships" xmlns:p="http://schemas.openxmlformats.org/presentationml/2006/main" xmlns:m="http://schemas.openxmlformats.org/officeDocument/2006/math" xmlns:w="http://schemas.openxmlformats.org/wordprocessingml/2006/main" matchingName="" preserve="1" showMasterPhAnim="0" type="twoObj" userDrawn="1">
-  <p:cSld name="Два типа объектов">
+  <p:cSld name="Два объекта">
     <p:spTree>
       <p:nvGrpSpPr>
         <p:cNvPr id="1" name=""/>
@@ -1292,58 +1338,51 @@
       </p:grpSpPr>
       <p:sp>
         <p:nvSpPr>
-          <p:cNvPr id="2" name="Заголовок 1"/>
+          <p:cNvPr id="8" name="Заголовок 7"/>
           <p:cNvSpPr>
             <a:spLocks noGrp="1"/>
           </p:cNvSpPr>
           <p:nvPr>
             <p:ph type="title"/>
+          </p:nvPr>
+        </p:nvSpPr>
+        <p:spPr bwMode="auto"/>
+        <p:txBody>
+          <a:bodyPr rtlCol="0"/>
+          <a:lstStyle/>
+          <a:p>
+            <a:pPr>
+              <a:defRPr/>
+            </a:pPr>
+            <a:r>
+              <a:rPr lang="ru-RU"/>
+              <a:t>Образец заголовка</a:t>
+            </a:r>
+            <a:endParaRPr/>
+          </a:p>
+        </p:txBody>
+      </p:sp>
+      <p:sp>
+        <p:nvSpPr>
+          <p:cNvPr id="3" name="Объект 2"/>
+          <p:cNvSpPr>
+            <a:spLocks noGrp="1"/>
+          </p:cNvSpPr>
+          <p:nvPr>
+            <p:ph sz="half" idx="1" hasCustomPrompt="1"/>
           </p:nvPr>
         </p:nvSpPr>
         <p:spPr bwMode="auto">
           <a:xfrm>
-            <a:off x="1522412" y="381000"/>
-            <a:ext cx="9144002" cy="1371600"/>
+            <a:off x="1205344" y="2011680"/>
+            <a:ext cx="4754880" cy="4206240"/>
           </a:xfrm>
         </p:spPr>
         <p:txBody>
           <a:bodyPr rtlCol="0"/>
-          <a:lstStyle/>
-          <a:p>
-            <a:pPr>
-              <a:defRPr/>
-            </a:pPr>
-            <a:r>
-              <a:rPr lang="ru-RU"/>
-              <a:t>Образец заголовка</a:t>
-            </a:r>
-            <a:endParaRPr lang="ru-RU"/>
-          </a:p>
-        </p:txBody>
-      </p:sp>
-      <p:sp>
-        <p:nvSpPr>
-          <p:cNvPr id="3" name="Объект 2"/>
-          <p:cNvSpPr>
-            <a:spLocks noGrp="1"/>
-          </p:cNvSpPr>
-          <p:nvPr>
-            <p:ph sz="half" idx="1"/>
-          </p:nvPr>
-        </p:nvSpPr>
-        <p:spPr bwMode="auto">
-          <a:xfrm>
-            <a:off x="1504781" y="1905001"/>
-            <a:ext cx="4419599" cy="4114800"/>
-          </a:xfrm>
-        </p:spPr>
-        <p:txBody>
-          <a:bodyPr rtlCol="0">
-            <a:normAutofit/>
-          </a:bodyPr>
           <a:lstStyle>
             <a:lvl1pPr>
-              <a:defRPr sz="2400"/>
+              <a:defRPr sz="2200"/>
             </a:lvl1pPr>
             <a:lvl2pPr>
               <a:defRPr sz="2000"/>
@@ -1376,7 +1415,7 @@
             </a:pPr>
             <a:r>
               <a:rPr lang="ru-RU"/>
-              <a:t>Образец текста</a:t>
+              <a:t>Щелкните, чтобы изменить стили текста образца слайда</a:t>
             </a:r>
             <a:endParaRPr/>
           </a:p>
@@ -1418,7 +1457,7 @@
               <a:rPr lang="ru-RU"/>
               <a:t>Пятый уровень</a:t>
             </a:r>
-            <a:endParaRPr lang="ru-RU"/>
+            <a:endParaRPr/>
           </a:p>
         </p:txBody>
       </p:sp>
@@ -1429,22 +1468,20 @@
             <a:spLocks noGrp="1"/>
           </p:cNvSpPr>
           <p:nvPr>
-            <p:ph sz="half" idx="2"/>
+            <p:ph sz="half" idx="2" hasCustomPrompt="1"/>
           </p:nvPr>
         </p:nvSpPr>
         <p:spPr bwMode="auto">
           <a:xfrm>
-            <a:off x="6229183" y="1905001"/>
-            <a:ext cx="4419600" cy="4114800"/>
+            <a:off x="6230391" y="2011680"/>
+            <a:ext cx="4754880" cy="4206240"/>
           </a:xfrm>
         </p:spPr>
         <p:txBody>
-          <a:bodyPr rtlCol="0">
-            <a:normAutofit/>
-          </a:bodyPr>
+          <a:bodyPr rtlCol="0"/>
           <a:lstStyle>
             <a:lvl1pPr>
-              <a:defRPr sz="2400"/>
+              <a:defRPr sz="2200"/>
             </a:lvl1pPr>
             <a:lvl2pPr>
               <a:defRPr sz="2000"/>
@@ -1477,7 +1514,7 @@
             </a:pPr>
             <a:r>
               <a:rPr lang="ru-RU"/>
-              <a:t>Образец текста</a:t>
+              <a:t>Щелкните, чтобы изменить стили текста образца слайда</a:t>
             </a:r>
             <a:endParaRPr/>
           </a:p>
@@ -1519,33 +1556,7 @@
               <a:rPr lang="ru-RU"/>
               <a:t>Пятый уровень</a:t>
             </a:r>
-            <a:endParaRPr lang="ru-RU"/>
-          </a:p>
-        </p:txBody>
-      </p:sp>
-      <p:sp>
-        <p:nvSpPr>
-          <p:cNvPr id="6" name="Нижний колонтитул 5"/>
-          <p:cNvSpPr>
-            <a:spLocks noGrp="1"/>
-          </p:cNvSpPr>
-          <p:nvPr>
-            <p:ph type="ftr" sz="quarter" idx="11"/>
-          </p:nvPr>
-        </p:nvSpPr>
-        <p:spPr bwMode="auto"/>
-        <p:txBody>
-          <a:bodyPr rtlCol="0"/>
-          <a:lstStyle/>
-          <a:p>
-            <a:pPr>
-              <a:defRPr/>
-            </a:pPr>
-            <a:r>
-              <a:rPr lang="ru-RU"/>
-              <a:t>Добавить нижний колонтитул</a:t>
-            </a:r>
-            <a:endParaRPr lang="ru-RU"/>
+            <a:endParaRPr/>
           </a:p>
         </p:txBody>
       </p:sp>
@@ -1567,7 +1578,7 @@
             <a:pPr>
               <a:defRPr/>
             </a:pPr>
-            <a:fld id="{96016A91-002F-4F84-B91C-87D7620ABE62}" type="datetime1">
+            <a:fld id="{3B2FEA74-F00C-4C35-936E-03B16969343D}" type="datetime1">
               <a:rPr lang="ru-RU"/>
               <a:t/>
             </a:fld>
@@ -1577,7 +1588,29 @@
       </p:sp>
       <p:sp>
         <p:nvSpPr>
-          <p:cNvPr id="7" name="Номер слайда 6"/>
+          <p:cNvPr id="6" name="Нижний колонтитул 5"/>
+          <p:cNvSpPr>
+            <a:spLocks noGrp="1"/>
+          </p:cNvSpPr>
+          <p:nvPr>
+            <p:ph type="ftr" sz="quarter" idx="11"/>
+          </p:nvPr>
+        </p:nvSpPr>
+        <p:spPr bwMode="auto"/>
+        <p:txBody>
+          <a:bodyPr rtlCol="0"/>
+          <a:lstStyle/>
+          <a:p>
+            <a:pPr>
+              <a:defRPr/>
+            </a:pPr>
+            <a:endParaRPr lang="ru-RU"/>
+          </a:p>
+        </p:txBody>
+      </p:sp>
+      <p:sp>
+        <p:nvSpPr>
+          <p:cNvPr id="7" name="Номер слайда 6"/>
           <p:cNvSpPr>
             <a:spLocks noGrp="1"/>
           </p:cNvSpPr>
@@ -1593,7 +1626,7 @@
             <a:pPr>
               <a:defRPr/>
             </a:pPr>
-            <a:fld id="{2A013F82-EE5E-44EE-A61D-E31C6657F26F}" type="slidenum">
+            <a:fld id="{4FAB73BC-B049-4115-A692-8D63A059BFB8}" type="slidenum">
               <a:rPr lang="ru-RU"/>
               <a:t/>
             </a:fld>
@@ -1628,70 +1661,54 @@
       </p:grpSpPr>
       <p:sp>
         <p:nvSpPr>
-          <p:cNvPr id="2" name="Заголовок 1"/>
+          <p:cNvPr id="10" name="Заголовок 9"/>
           <p:cNvSpPr>
             <a:spLocks noGrp="1"/>
           </p:cNvSpPr>
           <p:nvPr>
             <p:ph type="title"/>
+          </p:nvPr>
+        </p:nvSpPr>
+        <p:spPr bwMode="auto"/>
+        <p:txBody>
+          <a:bodyPr rtlCol="0"/>
+          <a:lstStyle/>
+          <a:p>
+            <a:pPr>
+              <a:defRPr/>
+            </a:pPr>
+            <a:r>
+              <a:rPr lang="ru-RU"/>
+              <a:t>Образец заголовка</a:t>
+            </a:r>
+            <a:endParaRPr/>
+          </a:p>
+        </p:txBody>
+      </p:sp>
+      <p:sp>
+        <p:nvSpPr>
+          <p:cNvPr id="3" name="Текст 2"/>
+          <p:cNvSpPr>
+            <a:spLocks noGrp="1"/>
+          </p:cNvSpPr>
+          <p:nvPr>
+            <p:ph type="body" idx="1" hasCustomPrompt="1"/>
           </p:nvPr>
         </p:nvSpPr>
         <p:spPr bwMode="auto">
           <a:xfrm>
-            <a:off x="1522412" y="381000"/>
-            <a:ext cx="9144002" cy="1371600"/>
+            <a:off x="1207008" y="1913470"/>
+            <a:ext cx="4754880" cy="743094"/>
           </a:xfrm>
         </p:spPr>
         <p:txBody>
-          <a:bodyPr rtlCol="0"/>
-          <a:lstStyle>
-            <a:lvl1pPr>
-              <a:defRPr/>
-            </a:lvl1pPr>
-          </a:lstStyle>
-          <a:p>
-            <a:pPr>
-              <a:defRPr/>
-            </a:pPr>
-            <a:r>
-              <a:rPr lang="ru-RU"/>
-              <a:t>Образец заголовка</a:t>
-            </a:r>
-            <a:endParaRPr lang="ru-RU"/>
-          </a:p>
-        </p:txBody>
-      </p:sp>
-      <p:sp>
-        <p:nvSpPr>
-          <p:cNvPr id="3" name="Текст 2"/>
-          <p:cNvSpPr>
-            <a:spLocks noGrp="1"/>
-          </p:cNvSpPr>
-          <p:nvPr>
-            <p:ph type="body" idx="1"/>
-          </p:nvPr>
-        </p:nvSpPr>
-        <p:spPr bwMode="auto">
-          <a:xfrm>
-            <a:off x="1522411" y="1905000"/>
-            <a:ext cx="4416552" cy="762000"/>
-          </a:xfrm>
-        </p:spPr>
-        <p:txBody>
           <a:bodyPr rtlCol="0" anchor="ctr">
-            <a:noAutofit/>
+            <a:normAutofit/>
           </a:bodyPr>
           <a:lstStyle>
             <a:lvl1pPr marL="0" indent="0">
-              <a:spcBef>
-                <a:spcPts val="0"/>
-              </a:spcBef>
-              <a:buNone/>
-              <a:defRPr sz="2000" b="0" cap="all" spc="200">
-                <a:solidFill>
-                  <a:schemeClr val="accent1"/>
-                </a:solidFill>
-              </a:defRPr>
+              <a:buNone/>
+              <a:defRPr sz="2100" b="1"/>
             </a:lvl1pPr>
             <a:lvl2pPr marL="457200" indent="0">
               <a:buNone/>
@@ -1732,9 +1749,9 @@
             </a:pPr>
             <a:r>
               <a:rPr lang="ru-RU"/>
-              <a:t>Образец текста</a:t>
-            </a:r>
-            <a:endParaRPr lang="ru-RU"/>
+              <a:t>Щелкните, чтобы изменить стили текста образца слайда</a:t>
+            </a:r>
+            <a:endParaRPr/>
           </a:p>
         </p:txBody>
       </p:sp>
@@ -1745,22 +1762,20 @@
             <a:spLocks noGrp="1"/>
           </p:cNvSpPr>
           <p:nvPr>
-            <p:ph sz="half" idx="2"/>
+            <p:ph sz="half" idx="2" hasCustomPrompt="1"/>
           </p:nvPr>
         </p:nvSpPr>
         <p:spPr bwMode="auto">
           <a:xfrm>
-            <a:off x="1522411" y="2743201"/>
-            <a:ext cx="4416552" cy="3276600"/>
+            <a:off x="1207008" y="2656566"/>
+            <a:ext cx="4754880" cy="3566160"/>
           </a:xfrm>
         </p:spPr>
         <p:txBody>
-          <a:bodyPr rtlCol="0">
-            <a:normAutofit/>
-          </a:bodyPr>
+          <a:bodyPr rtlCol="0"/>
           <a:lstStyle>
             <a:lvl1pPr>
-              <a:defRPr sz="2400"/>
+              <a:defRPr sz="2200"/>
             </a:lvl1pPr>
             <a:lvl2pPr>
               <a:defRPr sz="2000"/>
@@ -1793,7 +1808,7 @@
             </a:pPr>
             <a:r>
               <a:rPr lang="ru-RU"/>
-              <a:t>Образец текста</a:t>
+              <a:t>Щелкните, чтобы изменить стили текста образца слайда</a:t>
             </a:r>
             <a:endParaRPr/>
           </a:p>
@@ -1835,7 +1850,7 @@
               <a:rPr lang="ru-RU"/>
               <a:t>Пятый уровень</a:t>
             </a:r>
-            <a:endParaRPr lang="ru-RU"/>
+            <a:endParaRPr/>
           </a:p>
         </p:txBody>
       </p:sp>
@@ -1846,30 +1861,23 @@
             <a:spLocks noGrp="1"/>
           </p:cNvSpPr>
           <p:nvPr>
-            <p:ph type="body" sz="quarter" idx="3"/>
+            <p:ph type="body" sz="quarter" idx="3" hasCustomPrompt="1"/>
           </p:nvPr>
         </p:nvSpPr>
         <p:spPr bwMode="auto">
           <a:xfrm>
-            <a:off x="6249861" y="1905000"/>
-            <a:ext cx="4416552" cy="762000"/>
+            <a:off x="6231230" y="1913470"/>
+            <a:ext cx="4754880" cy="743094"/>
           </a:xfrm>
         </p:spPr>
         <p:txBody>
           <a:bodyPr rtlCol="0" anchor="ctr">
-            <a:noAutofit/>
+            <a:normAutofit/>
           </a:bodyPr>
           <a:lstStyle>
             <a:lvl1pPr marL="0" indent="0">
-              <a:spcBef>
-                <a:spcPts val="0"/>
-              </a:spcBef>
-              <a:buNone/>
-              <a:defRPr sz="2000" b="0" cap="all" spc="200">
-                <a:solidFill>
-                  <a:schemeClr val="accent1"/>
-                </a:solidFill>
-              </a:defRPr>
+              <a:buNone/>
+              <a:defRPr sz="2100" b="1"/>
             </a:lvl1pPr>
             <a:lvl2pPr marL="457200" indent="0">
               <a:buNone/>
@@ -1910,9 +1918,9 @@
             </a:pPr>
             <a:r>
               <a:rPr lang="ru-RU"/>
-              <a:t>Образец текста</a:t>
-            </a:r>
-            <a:endParaRPr lang="ru-RU"/>
+              <a:t>Щелкните, чтобы изменить стили текста образца слайда</a:t>
+            </a:r>
+            <a:endParaRPr/>
           </a:p>
         </p:txBody>
       </p:sp>
@@ -1923,22 +1931,20 @@
             <a:spLocks noGrp="1"/>
           </p:cNvSpPr>
           <p:nvPr>
-            <p:ph sz="quarter" idx="4"/>
+            <p:ph sz="quarter" idx="4" hasCustomPrompt="1"/>
           </p:nvPr>
         </p:nvSpPr>
         <p:spPr bwMode="auto">
           <a:xfrm>
-            <a:off x="6249861" y="2743201"/>
-            <a:ext cx="4416552" cy="3276600"/>
+            <a:off x="6231230" y="2656564"/>
+            <a:ext cx="4754880" cy="3566160"/>
           </a:xfrm>
         </p:spPr>
         <p:txBody>
-          <a:bodyPr rtlCol="0">
-            <a:normAutofit/>
-          </a:bodyPr>
+          <a:bodyPr rtlCol="0"/>
           <a:lstStyle>
             <a:lvl1pPr>
-              <a:defRPr sz="2400"/>
+              <a:defRPr sz="2200"/>
             </a:lvl1pPr>
             <a:lvl2pPr>
               <a:defRPr sz="2000"/>
@@ -1971,7 +1977,7 @@
             </a:pPr>
             <a:r>
               <a:rPr lang="ru-RU"/>
-              <a:t>Образец текста</a:t>
+              <a:t>Щелкните, чтобы изменить стили текста образца слайда</a:t>
             </a:r>
             <a:endParaRPr/>
           </a:p>
@@ -2013,33 +2019,7 @@
               <a:rPr lang="ru-RU"/>
               <a:t>Пятый уровень</a:t>
             </a:r>
-            <a:endParaRPr lang="ru-RU"/>
-          </a:p>
-        </p:txBody>
-      </p:sp>
-      <p:sp>
-        <p:nvSpPr>
-          <p:cNvPr id="8" name="Нижний колонтитул 7"/>
-          <p:cNvSpPr>
-            <a:spLocks noGrp="1"/>
-          </p:cNvSpPr>
-          <p:nvPr>
-            <p:ph type="ftr" sz="quarter" idx="11"/>
-          </p:nvPr>
-        </p:nvSpPr>
-        <p:spPr bwMode="auto"/>
-        <p:txBody>
-          <a:bodyPr rtlCol="0"/>
-          <a:lstStyle/>
-          <a:p>
-            <a:pPr>
-              <a:defRPr/>
-            </a:pPr>
-            <a:r>
-              <a:rPr lang="ru-RU"/>
-              <a:t>Добавить нижний колонтитул</a:t>
-            </a:r>
-            <a:endParaRPr lang="ru-RU"/>
+            <a:endParaRPr/>
           </a:p>
         </p:txBody>
       </p:sp>
@@ -2061,7 +2041,7 @@
             <a:pPr>
               <a:defRPr/>
             </a:pPr>
-            <a:fld id="{9884BB62-2123-4788-9314-7515BDB44FDE}" type="datetime1">
+            <a:fld id="{B101B63D-AB4A-4EC4-91DE-7717EAE41D75}" type="datetime1">
               <a:rPr lang="ru-RU"/>
               <a:t/>
             </a:fld>
@@ -2071,7 +2051,29 @@
       </p:sp>
       <p:sp>
         <p:nvSpPr>
-          <p:cNvPr id="9" name="Номер слайда 8"/>
+          <p:cNvPr id="8" name="Нижний колонтитул 7"/>
+          <p:cNvSpPr>
+            <a:spLocks noGrp="1"/>
+          </p:cNvSpPr>
+          <p:nvPr>
+            <p:ph type="ftr" sz="quarter" idx="11"/>
+          </p:nvPr>
+        </p:nvSpPr>
+        <p:spPr bwMode="auto"/>
+        <p:txBody>
+          <a:bodyPr rtlCol="0"/>
+          <a:lstStyle/>
+          <a:p>
+            <a:pPr>
+              <a:defRPr/>
+            </a:pPr>
+            <a:endParaRPr lang="ru-RU"/>
+          </a:p>
+        </p:txBody>
+      </p:sp>
+      <p:sp>
+        <p:nvSpPr>
+          <p:cNvPr id="9" name="Номер слайда 8"/>
           <p:cNvSpPr>
             <a:spLocks noGrp="1"/>
           </p:cNvSpPr>
@@ -2087,7 +2089,7 @@
             <a:pPr>
               <a:defRPr/>
             </a:pPr>
-            <a:fld id="{2A013F82-EE5E-44EE-A61D-E31C6657F26F}" type="slidenum">
+            <a:fld id="{4FAB73BC-B049-4115-A692-8D63A059BFB8}" type="slidenum">
               <a:rPr lang="ru-RU"/>
               <a:t/>
             </a:fld>
@@ -2122,7 +2124,7 @@
       </p:grpSpPr>
       <p:sp>
         <p:nvSpPr>
-          <p:cNvPr id="2" name="Заголовок 1"/>
+          <p:cNvPr id="2" name="Заголовок 1"/>
           <p:cNvSpPr>
             <a:spLocks noGrp="1"/>
           </p:cNvSpPr>
@@ -2142,33 +2144,7 @@
               <a:rPr lang="ru-RU"/>
               <a:t>Образец заголовка</a:t>
             </a:r>
-            <a:endParaRPr lang="ru-RU"/>
-          </a:p>
-        </p:txBody>
-      </p:sp>
-      <p:sp>
-        <p:nvSpPr>
-          <p:cNvPr id="4" name="Нижний колонтитул 3"/>
-          <p:cNvSpPr>
-            <a:spLocks noGrp="1"/>
-          </p:cNvSpPr>
-          <p:nvPr>
-            <p:ph type="ftr" sz="quarter" idx="11"/>
-          </p:nvPr>
-        </p:nvSpPr>
-        <p:spPr bwMode="auto"/>
-        <p:txBody>
-          <a:bodyPr rtlCol="0"/>
-          <a:lstStyle/>
-          <a:p>
-            <a:pPr>
-              <a:defRPr/>
-            </a:pPr>
-            <a:r>
-              <a:rPr lang="ru-RU"/>
-              <a:t>Добавить нижний колонтитул</a:t>
-            </a:r>
-            <a:endParaRPr lang="ru-RU"/>
+            <a:endParaRPr/>
           </a:p>
         </p:txBody>
       </p:sp>
@@ -2190,7 +2166,7 @@
             <a:pPr>
               <a:defRPr/>
             </a:pPr>
-            <a:fld id="{69DB8BB9-92B9-4065-8476-0CAC8B542348}" type="datetime1">
+            <a:fld id="{1B129CEC-0499-484E-B184-52FA96026F4C}" type="datetime1">
               <a:rPr lang="ru-RU"/>
               <a:t/>
             </a:fld>
@@ -2200,7 +2176,29 @@
       </p:sp>
       <p:sp>
         <p:nvSpPr>
-          <p:cNvPr id="5" name="Номер слайда 4"/>
+          <p:cNvPr id="4" name="Нижний колонтитул 3"/>
+          <p:cNvSpPr>
+            <a:spLocks noGrp="1"/>
+          </p:cNvSpPr>
+          <p:nvPr>
+            <p:ph type="ftr" sz="quarter" idx="11"/>
+          </p:nvPr>
+        </p:nvSpPr>
+        <p:spPr bwMode="auto"/>
+        <p:txBody>
+          <a:bodyPr rtlCol="0"/>
+          <a:lstStyle/>
+          <a:p>
+            <a:pPr>
+              <a:defRPr/>
+            </a:pPr>
+            <a:endParaRPr lang="ru-RU"/>
+          </a:p>
+        </p:txBody>
+      </p:sp>
+      <p:sp>
+        <p:nvSpPr>
+          <p:cNvPr id="5" name="Номер слайда 4"/>
           <p:cNvSpPr>
             <a:spLocks noGrp="1"/>
           </p:cNvSpPr>
@@ -2216,7 +2214,7 @@
             <a:pPr>
               <a:defRPr/>
             </a:pPr>
-            <a:fld id="{2A013F82-EE5E-44EE-A61D-E31C6657F26F}" type="slidenum">
+            <a:fld id="{4FAB73BC-B049-4115-A692-8D63A059BFB8}" type="slidenum">
               <a:rPr lang="ru-RU"/>
               <a:t/>
             </a:fld>
@@ -2233,7 +2231,7 @@
 </file>
 
 <file path=ppt/slideLayouts/slideLayout7.xml><?xml version="1.0" encoding="utf-8"?>
-<p:sldLayout xmlns:a="http://schemas.openxmlformats.org/drawingml/2006/main" xmlns:r="http://schemas.openxmlformats.org/officeDocument/2006/relationships" xmlns:p="http://schemas.openxmlformats.org/presentationml/2006/main" xmlns:m="http://schemas.openxmlformats.org/officeDocument/2006/math" xmlns:w="http://schemas.openxmlformats.org/wordprocessingml/2006/main" matchingName="" preserve="1" showMasterPhAnim="0" type="blank" userDrawn="1">
+<p:sldLayout xmlns:a="http://schemas.openxmlformats.org/drawingml/2006/main" xmlns:r="http://schemas.openxmlformats.org/officeDocument/2006/relationships" xmlns:p="http://schemas.openxmlformats.org/presentationml/2006/main" xmlns:m="http://schemas.openxmlformats.org/officeDocument/2006/math" xmlns:w="http://schemas.openxmlformats.org/wordprocessingml/2006/main" matchingName="" preserve="1" showMasterPhAnim="0" showMasterSp="0" type="blank" userDrawn="1">
   <p:cSld name="Пустой слайд">
     <p:spTree>
       <p:nvGrpSpPr>
@@ -2251,32 +2249,6 @@
       </p:grpSpPr>
       <p:sp>
         <p:nvSpPr>
-          <p:cNvPr id="3" name="Нижний колонтитул 2"/>
-          <p:cNvSpPr>
-            <a:spLocks noGrp="1"/>
-          </p:cNvSpPr>
-          <p:nvPr>
-            <p:ph type="ftr" sz="quarter" idx="11"/>
-          </p:nvPr>
-        </p:nvSpPr>
-        <p:spPr bwMode="auto"/>
-        <p:txBody>
-          <a:bodyPr rtlCol="0"/>
-          <a:lstStyle/>
-          <a:p>
-            <a:pPr>
-              <a:defRPr/>
-            </a:pPr>
-            <a:r>
-              <a:rPr lang="ru-RU"/>
-              <a:t>Добавить нижний колонтитул</a:t>
-            </a:r>
-            <a:endParaRPr lang="ru-RU"/>
-          </a:p>
-        </p:txBody>
-      </p:sp>
-      <p:sp>
-        <p:nvSpPr>
           <p:cNvPr id="2" name="Дата 1"/>
           <p:cNvSpPr>
             <a:spLocks noGrp="1"/>
@@ -2293,7 +2265,7 @@
             <a:pPr>
               <a:defRPr/>
             </a:pPr>
-            <a:fld id="{87B8B98A-D184-4B6B-B826-7D77043917A2}" type="datetime1">
+            <a:fld id="{E301FA3E-F7AB-4A57-A7C4-1A760E871A43}" type="datetime1">
               <a:rPr lang="ru-RU"/>
               <a:t/>
             </a:fld>
@@ -2303,7 +2275,29 @@
       </p:sp>
       <p:sp>
         <p:nvSpPr>
-          <p:cNvPr id="4" name="Номер слайда 3"/>
+          <p:cNvPr id="3" name="Нижний колонтитул 2"/>
+          <p:cNvSpPr>
+            <a:spLocks noGrp="1"/>
+          </p:cNvSpPr>
+          <p:nvPr>
+            <p:ph type="ftr" sz="quarter" idx="11"/>
+          </p:nvPr>
+        </p:nvSpPr>
+        <p:spPr bwMode="auto"/>
+        <p:txBody>
+          <a:bodyPr rtlCol="0"/>
+          <a:lstStyle/>
+          <a:p>
+            <a:pPr>
+              <a:defRPr/>
+            </a:pPr>
+            <a:endParaRPr lang="ru-RU"/>
+          </a:p>
+        </p:txBody>
+      </p:sp>
+      <p:sp>
+        <p:nvSpPr>
+          <p:cNvPr id="4" name="Номер слайда 3"/>
           <p:cNvSpPr>
             <a:spLocks noGrp="1"/>
           </p:cNvSpPr>
@@ -2319,7 +2313,7 @@
             <a:pPr>
               <a:defRPr/>
             </a:pPr>
-            <a:fld id="{2A013F82-EE5E-44EE-A61D-E31C6657F26F}" type="slidenum">
+            <a:fld id="{4FAB73BC-B049-4115-A692-8D63A059BFB8}" type="slidenum">
               <a:rPr lang="ru-RU"/>
               <a:t/>
             </a:fld>
@@ -2354,163 +2348,143 @@
       </p:grpSpPr>
       <p:sp>
         <p:nvSpPr>
-          <p:cNvPr id="2" name="Заголовок 1"/>
+          <p:cNvPr id="8" name="Заголовок 7"/>
           <p:cNvSpPr>
             <a:spLocks noGrp="1"/>
           </p:cNvSpPr>
           <p:nvPr>
             <p:ph type="title"/>
+          </p:nvPr>
+        </p:nvSpPr>
+        <p:spPr bwMode="auto"/>
+        <p:txBody>
+          <a:bodyPr rtlCol="0"/>
+          <a:lstStyle/>
+          <a:p>
+            <a:pPr>
+              <a:defRPr/>
+            </a:pPr>
+            <a:r>
+              <a:rPr lang="ru-RU"/>
+              <a:t>Образец заголовка</a:t>
+            </a:r>
+            <a:endParaRPr/>
+          </a:p>
+        </p:txBody>
+      </p:sp>
+      <p:sp>
+        <p:nvSpPr>
+          <p:cNvPr id="3" name="Объект 2"/>
+          <p:cNvSpPr>
+            <a:spLocks noGrp="1"/>
+          </p:cNvSpPr>
+          <p:nvPr>
+            <p:ph idx="1" hasCustomPrompt="1"/>
           </p:nvPr>
         </p:nvSpPr>
         <p:spPr bwMode="auto">
           <a:xfrm>
-            <a:off x="1055604" y="1905000"/>
-            <a:ext cx="3596607" cy="2667000"/>
+            <a:off x="1207008" y="2120054"/>
+            <a:ext cx="6126480" cy="4114800"/>
           </a:xfrm>
         </p:spPr>
         <p:txBody>
-          <a:bodyPr rtlCol="0" anchor="b">
-            <a:noAutofit/>
-          </a:bodyPr>
+          <a:bodyPr rtlCol="0"/>
           <a:lstStyle>
-            <a:lvl1pPr algn="l">
-              <a:lnSpc>
-                <a:spcPct val="90000"/>
-              </a:lnSpc>
-              <a:defRPr sz="3600" b="0">
-                <a:solidFill>
-                  <a:schemeClr val="tx1"/>
-                </a:solidFill>
-              </a:defRPr>
+            <a:lvl1pPr>
+              <a:defRPr sz="3200"/>
             </a:lvl1pPr>
+            <a:lvl2pPr>
+              <a:defRPr sz="2800"/>
+            </a:lvl2pPr>
+            <a:lvl3pPr>
+              <a:defRPr sz="2400"/>
+            </a:lvl3pPr>
+            <a:lvl4pPr>
+              <a:defRPr sz="2000"/>
+            </a:lvl4pPr>
+            <a:lvl5pPr>
+              <a:defRPr sz="2000"/>
+            </a:lvl5pPr>
+            <a:lvl6pPr>
+              <a:defRPr sz="2000"/>
+            </a:lvl6pPr>
+            <a:lvl7pPr>
+              <a:defRPr sz="2000"/>
+            </a:lvl7pPr>
+            <a:lvl8pPr>
+              <a:defRPr sz="2000"/>
+            </a:lvl8pPr>
+            <a:lvl9pPr>
+              <a:defRPr sz="2000"/>
+            </a:lvl9pPr>
           </a:lstStyle>
           <a:p>
-            <a:pPr>
-              <a:defRPr/>
-            </a:pPr>
-            <a:r>
-              <a:rPr lang="ru-RU"/>
-              <a:t>Образец заголовка</a:t>
-            </a:r>
-            <a:endParaRPr lang="ru-RU"/>
-          </a:p>
-        </p:txBody>
-      </p:sp>
-      <p:sp>
-        <p:nvSpPr>
-          <p:cNvPr id="3" name="Объект 2"/>
-          <p:cNvSpPr>
-            <a:spLocks noGrp="1"/>
-          </p:cNvSpPr>
-          <p:nvPr>
-            <p:ph idx="1"/>
+            <a:pPr lvl="0">
+              <a:defRPr/>
+            </a:pPr>
+            <a:r>
+              <a:rPr lang="ru-RU"/>
+              <a:t>Щелкните, чтобы изменить стили текста образца слайда</a:t>
+            </a:r>
+            <a:endParaRPr/>
+          </a:p>
+          <a:p>
+            <a:pPr lvl="1">
+              <a:defRPr/>
+            </a:pPr>
+            <a:r>
+              <a:rPr lang="ru-RU"/>
+              <a:t>Второй уровень</a:t>
+            </a:r>
+            <a:endParaRPr/>
+          </a:p>
+          <a:p>
+            <a:pPr lvl="2">
+              <a:defRPr/>
+            </a:pPr>
+            <a:r>
+              <a:rPr lang="ru-RU"/>
+              <a:t>Третий уровень</a:t>
+            </a:r>
+            <a:endParaRPr/>
+          </a:p>
+          <a:p>
+            <a:pPr lvl="3">
+              <a:defRPr/>
+            </a:pPr>
+            <a:r>
+              <a:rPr lang="ru-RU"/>
+              <a:t>Четвертый уровень</a:t>
+            </a:r>
+            <a:endParaRPr/>
+          </a:p>
+          <a:p>
+            <a:pPr lvl="4">
+              <a:defRPr/>
+            </a:pPr>
+            <a:r>
+              <a:rPr lang="ru-RU"/>
+              <a:t>Пятый уровень</a:t>
+            </a:r>
+            <a:endParaRPr/>
+          </a:p>
+        </p:txBody>
+      </p:sp>
+      <p:sp>
+        <p:nvSpPr>
+          <p:cNvPr id="4" name="Текст 3"/>
+          <p:cNvSpPr>
+            <a:spLocks noGrp="1"/>
+          </p:cNvSpPr>
+          <p:nvPr>
+            <p:ph type="body" sz="half" idx="2" hasCustomPrompt="1"/>
           </p:nvPr>
         </p:nvSpPr>
         <p:spPr bwMode="auto">
           <a:xfrm>
-            <a:off x="4951414" y="685800"/>
-            <a:ext cx="6400800" cy="5334000"/>
-          </a:xfrm>
-        </p:spPr>
-        <p:txBody>
-          <a:bodyPr rtlCol="0">
-            <a:normAutofit/>
-          </a:bodyPr>
-          <a:lstStyle>
-            <a:lvl1pPr>
-              <a:defRPr sz="2400"/>
-            </a:lvl1pPr>
-            <a:lvl2pPr>
-              <a:defRPr sz="2000"/>
-            </a:lvl2pPr>
-            <a:lvl3pPr>
-              <a:defRPr sz="1800"/>
-            </a:lvl3pPr>
-            <a:lvl4pPr>
-              <a:defRPr sz="1600"/>
-            </a:lvl4pPr>
-            <a:lvl5pPr>
-              <a:defRPr sz="1600"/>
-            </a:lvl5pPr>
-            <a:lvl6pPr>
-              <a:defRPr sz="1600"/>
-            </a:lvl6pPr>
-            <a:lvl7pPr>
-              <a:defRPr sz="1600"/>
-            </a:lvl7pPr>
-            <a:lvl8pPr>
-              <a:defRPr sz="1600"/>
-            </a:lvl8pPr>
-            <a:lvl9pPr>
-              <a:defRPr sz="1600"/>
-            </a:lvl9pPr>
-          </a:lstStyle>
-          <a:p>
-            <a:pPr lvl="0">
-              <a:defRPr/>
-            </a:pPr>
-            <a:r>
-              <a:rPr lang="ru-RU"/>
-              <a:t>Образец текста</a:t>
-            </a:r>
-            <a:endParaRPr/>
-          </a:p>
-          <a:p>
-            <a:pPr lvl="1">
-              <a:defRPr/>
-            </a:pPr>
-            <a:r>
-              <a:rPr lang="ru-RU"/>
-              <a:t>Второй уровень</a:t>
-            </a:r>
-            <a:endParaRPr/>
-          </a:p>
-          <a:p>
-            <a:pPr lvl="2">
-              <a:defRPr/>
-            </a:pPr>
-            <a:r>
-              <a:rPr lang="ru-RU"/>
-              <a:t>Третий уровень</a:t>
-            </a:r>
-            <a:endParaRPr/>
-          </a:p>
-          <a:p>
-            <a:pPr lvl="3">
-              <a:defRPr/>
-            </a:pPr>
-            <a:r>
-              <a:rPr lang="ru-RU"/>
-              <a:t>Четвертый уровень</a:t>
-            </a:r>
-            <a:endParaRPr/>
-          </a:p>
-          <a:p>
-            <a:pPr lvl="4">
-              <a:defRPr/>
-            </a:pPr>
-            <a:r>
-              <a:rPr lang="ru-RU"/>
-              <a:t>Пятый уровень</a:t>
-            </a:r>
-            <a:endParaRPr lang="ru-RU"/>
-          </a:p>
-        </p:txBody>
-      </p:sp>
-      <p:sp>
-        <p:nvSpPr>
-          <p:cNvPr id="4" name="Текст 3"/>
-          <p:cNvSpPr>
-            <a:spLocks noGrp="1"/>
-          </p:cNvSpPr>
-          <p:nvPr>
-            <p:ph type="body" sz="half" idx="2"/>
-          </p:nvPr>
-        </p:nvSpPr>
-        <p:spPr bwMode="auto">
-          <a:xfrm>
-            <a:off x="1065213" y="4648200"/>
-            <a:ext cx="3581399" cy="1371600"/>
+            <a:off x="7789023" y="2147486"/>
+            <a:ext cx="3200400" cy="3432319"/>
           </a:xfrm>
         </p:spPr>
         <p:txBody>
@@ -2520,11 +2494,8 @@
           <a:lstStyle>
             <a:lvl1pPr marL="0" indent="0">
               <a:lnSpc>
-                <a:spcPct val="90000"/>
+                <a:spcPct val="95000"/>
               </a:lnSpc>
-              <a:spcBef>
-                <a:spcPts val="1200"/>
-              </a:spcBef>
               <a:buNone/>
               <a:defRPr sz="1800"/>
             </a:lvl1pPr>
@@ -2567,35 +2538,9 @@
             </a:pPr>
             <a:r>
               <a:rPr lang="ru-RU"/>
-              <a:t>Образец текста</a:t>
-            </a:r>
-            <a:endParaRPr lang="ru-RU"/>
-          </a:p>
-        </p:txBody>
-      </p:sp>
-      <p:sp>
-        <p:nvSpPr>
-          <p:cNvPr id="6" name="Нижний колонтитул 5"/>
-          <p:cNvSpPr>
-            <a:spLocks noGrp="1"/>
-          </p:cNvSpPr>
-          <p:nvPr>
-            <p:ph type="ftr" sz="quarter" idx="11"/>
-          </p:nvPr>
-        </p:nvSpPr>
-        <p:spPr bwMode="auto"/>
-        <p:txBody>
-          <a:bodyPr rtlCol="0"/>
-          <a:lstStyle/>
-          <a:p>
-            <a:pPr>
-              <a:defRPr/>
-            </a:pPr>
-            <a:r>
-              <a:rPr lang="ru-RU"/>
-              <a:t>Добавить нижний колонтитул</a:t>
-            </a:r>
-            <a:endParaRPr lang="ru-RU"/>
+              <a:t>Щелкните, чтобы изменить стили текста образца слайда</a:t>
+            </a:r>
+            <a:endParaRPr/>
           </a:p>
         </p:txBody>
       </p:sp>
@@ -2617,7 +2562,7 @@
             <a:pPr>
               <a:defRPr/>
             </a:pPr>
-            <a:fld id="{444418BE-02E7-47A9-9498-0C2EAD4A471E}" type="datetime1">
+            <a:fld id="{46206E2D-B0F0-4CDC-B364-7AEE58400ABC}" type="datetime1">
               <a:rPr lang="ru-RU"/>
               <a:t/>
             </a:fld>
@@ -2627,7 +2572,29 @@
       </p:sp>
       <p:sp>
         <p:nvSpPr>
-          <p:cNvPr id="7" name="Номер слайда 6"/>
+          <p:cNvPr id="6" name="Нижний колонтитул 5"/>
+          <p:cNvSpPr>
+            <a:spLocks noGrp="1"/>
+          </p:cNvSpPr>
+          <p:nvPr>
+            <p:ph type="ftr" sz="quarter" idx="11"/>
+          </p:nvPr>
+        </p:nvSpPr>
+        <p:spPr bwMode="auto"/>
+        <p:txBody>
+          <a:bodyPr rtlCol="0"/>
+          <a:lstStyle/>
+          <a:p>
+            <a:pPr>
+              <a:defRPr/>
+            </a:pPr>
+            <a:endParaRPr lang="ru-RU"/>
+          </a:p>
+        </p:txBody>
+      </p:sp>
+      <p:sp>
+        <p:nvSpPr>
+          <p:cNvPr id="7" name="Номер слайда 6"/>
           <p:cNvSpPr>
             <a:spLocks noGrp="1"/>
           </p:cNvSpPr>
@@ -2643,7 +2610,7 @@
             <a:pPr>
               <a:defRPr/>
             </a:pPr>
-            <a:fld id="{2A013F82-EE5E-44EE-A61D-E31C6657F26F}" type="slidenum">
+            <a:fld id="{4FAB73BC-B049-4115-A692-8D63A059BFB8}" type="slidenum">
               <a:rPr lang="ru-RU"/>
               <a:t/>
             </a:fld>
@@ -2678,84 +2645,67 @@
       </p:grpSpPr>
       <p:sp>
         <p:nvSpPr>
-          <p:cNvPr id="2" name="Заголовок 1"/>
+          <p:cNvPr id="8" name="Заголовок 7"/>
           <p:cNvSpPr>
             <a:spLocks noGrp="1"/>
           </p:cNvSpPr>
           <p:nvPr>
             <p:ph type="title"/>
+          </p:nvPr>
+        </p:nvSpPr>
+        <p:spPr bwMode="auto"/>
+        <p:txBody>
+          <a:bodyPr rtlCol="0"/>
+          <a:lstStyle/>
+          <a:p>
+            <a:pPr>
+              <a:defRPr/>
+            </a:pPr>
+            <a:r>
+              <a:rPr lang="ru-RU"/>
+              <a:t>Образец заголовка</a:t>
+            </a:r>
+            <a:endParaRPr/>
+          </a:p>
+        </p:txBody>
+      </p:sp>
+      <p:sp>
+        <p:nvSpPr>
+          <p:cNvPr id="3" name="Рисунок 2"/>
+          <p:cNvSpPr>
+            <a:spLocks noChangeAspect="1" noGrp="1"/>
+          </p:cNvSpPr>
+          <p:nvPr>
+            <p:ph type="pic" idx="1" hasCustomPrompt="1"/>
           </p:nvPr>
         </p:nvSpPr>
         <p:spPr bwMode="auto">
           <a:xfrm>
-            <a:off x="1055604" y="1905000"/>
-            <a:ext cx="3596607" cy="2667000"/>
-          </a:xfrm>
-        </p:spPr>
-        <p:txBody>
-          <a:bodyPr rtlCol="0" anchor="b">
-            <a:normAutofit/>
-          </a:bodyPr>
-          <a:lstStyle>
-            <a:lvl1pPr algn="l">
-              <a:lnSpc>
-                <a:spcPct val="90000"/>
-              </a:lnSpc>
-              <a:defRPr sz="3600" b="0" i="0">
-                <a:solidFill>
-                  <a:schemeClr val="tx1"/>
-                </a:solidFill>
-              </a:defRPr>
-            </a:lvl1pPr>
-          </a:lstStyle>
-          <a:p>
-            <a:pPr>
-              <a:defRPr/>
-            </a:pPr>
-            <a:r>
-              <a:rPr lang="ru-RU"/>
-              <a:t>Образец заголовка</a:t>
-            </a:r>
-            <a:endParaRPr lang="ru-RU"/>
-          </a:p>
-        </p:txBody>
-      </p:sp>
-      <p:sp>
-        <p:nvSpPr>
-          <p:cNvPr id="3" name="Рисунок 2" descr="Пустой заполнитель, вместо которого можно добавить изображение. Щелкните заполнитель и выберите изображение, которое необходимо добавить"/>
-          <p:cNvSpPr>
-            <a:spLocks noGrp="1"/>
-          </p:cNvSpPr>
-          <p:nvPr>
-            <p:ph type="pic" idx="1"/>
-          </p:nvPr>
-        </p:nvSpPr>
-        <p:spPr bwMode="auto">
-          <a:xfrm>
-            <a:off x="4951414" y="685800"/>
-            <a:ext cx="6400798" cy="5334000"/>
+            <a:off x="1280160" y="2211494"/>
+            <a:ext cx="6126480" cy="3931920"/>
           </a:xfrm>
           <a:prstGeom prst="rect">
             <a:avLst/>
           </a:prstGeom>
           <a:solidFill>
-            <a:schemeClr val="bg2"/>
+            <a:schemeClr val="tx2">
+              <a:lumMod val="60000"/>
+              <a:lumOff val="40000"/>
+            </a:schemeClr>
           </a:solidFill>
-          <a:ln w="76200">
-            <a:solidFill>
-              <a:schemeClr val="tx1"/>
-            </a:solidFill>
-            <a:miter lim="800000"/>
-          </a:ln>
         </p:spPr>
         <p:txBody>
-          <a:bodyPr rtlCol="0">
-            <a:normAutofit/>
-          </a:bodyPr>
+          <a:bodyPr tIns="365760" rtlCol="0" anchor="t"/>
           <a:lstStyle>
             <a:lvl1pPr marL="0" indent="0" algn="ctr">
               <a:buNone/>
-              <a:defRPr sz="2400"/>
+              <a:defRPr sz="3200">
+                <a:solidFill>
+                  <a:schemeClr val="tx1">
+                    <a:lumMod val="50000"/>
+                  </a:schemeClr>
+                </a:solidFill>
+              </a:defRPr>
             </a:lvl1pPr>
             <a:lvl2pPr marL="457200" indent="0">
               <a:buNone/>
@@ -2796,9 +2746,9 @@
             </a:pPr>
             <a:r>
               <a:rPr lang="ru-RU"/>
-              <a:t>Щелкните значок, чтобы добавить изображение</a:t>
-            </a:r>
-            <a:endParaRPr lang="ru-RU"/>
+              <a:t>Щелкните значок, чтобы добавить фото</a:t>
+            </a:r>
+            <a:endParaRPr/>
           </a:p>
         </p:txBody>
       </p:sp>
@@ -2814,8 +2764,8 @@
         </p:nvSpPr>
         <p:spPr bwMode="auto">
           <a:xfrm>
-            <a:off x="1065213" y="4648200"/>
-            <a:ext cx="3581399" cy="1371600"/>
+            <a:off x="7790687" y="2150621"/>
+            <a:ext cx="3200400" cy="3429000"/>
           </a:xfrm>
         </p:spPr>
         <p:txBody>
@@ -2825,11 +2775,8 @@
           <a:lstStyle>
             <a:lvl1pPr marL="0" indent="0">
               <a:lnSpc>
-                <a:spcPct val="90000"/>
+                <a:spcPct val="95000"/>
               </a:lnSpc>
-              <a:spcBef>
-                <a:spcPts val="1200"/>
-              </a:spcBef>
               <a:buNone/>
               <a:defRPr sz="1800"/>
             </a:lvl1pPr>
@@ -2874,33 +2821,7 @@
               <a:rPr lang="ru-RU"/>
               <a:t>Образец текста</a:t>
             </a:r>
-            <a:endParaRPr lang="ru-RU"/>
-          </a:p>
-        </p:txBody>
-      </p:sp>
-      <p:sp>
-        <p:nvSpPr>
-          <p:cNvPr id="6" name="Нижний колонтитул 5"/>
-          <p:cNvSpPr>
-            <a:spLocks noGrp="1"/>
-          </p:cNvSpPr>
-          <p:nvPr>
-            <p:ph type="ftr" sz="quarter" idx="11"/>
-          </p:nvPr>
-        </p:nvSpPr>
-        <p:spPr bwMode="auto"/>
-        <p:txBody>
-          <a:bodyPr rtlCol="0"/>
-          <a:lstStyle/>
-          <a:p>
-            <a:pPr>
-              <a:defRPr/>
-            </a:pPr>
-            <a:r>
-              <a:rPr lang="ru-RU"/>
-              <a:t>Добавить нижний колонтитул</a:t>
-            </a:r>
-            <a:endParaRPr lang="ru-RU"/>
+            <a:endParaRPr/>
           </a:p>
         </p:txBody>
       </p:sp>
@@ -2922,7 +2843,7 @@
             <a:pPr>
               <a:defRPr/>
             </a:pPr>
-            <a:fld id="{D29E5A9D-06BB-433B-81D1-30A03E57CC56}" type="datetime1">
+            <a:fld id="{ECFFEF01-2332-41E5-B378-0ED6C8A506D4}" type="datetime1">
               <a:rPr lang="ru-RU"/>
               <a:t/>
             </a:fld>
@@ -2932,7 +2853,29 @@
       </p:sp>
       <p:sp>
         <p:nvSpPr>
-          <p:cNvPr id="7" name="Номер слайда 6"/>
+          <p:cNvPr id="6" name="Нижний колонтитул 5"/>
+          <p:cNvSpPr>
+            <a:spLocks noGrp="1"/>
+          </p:cNvSpPr>
+          <p:nvPr>
+            <p:ph type="ftr" sz="quarter" idx="11"/>
+          </p:nvPr>
+        </p:nvSpPr>
+        <p:spPr bwMode="auto"/>
+        <p:txBody>
+          <a:bodyPr rtlCol="0"/>
+          <a:lstStyle/>
+          <a:p>
+            <a:pPr>
+              <a:defRPr/>
+            </a:pPr>
+            <a:endParaRPr lang="ru-RU"/>
+          </a:p>
+        </p:txBody>
+      </p:sp>
+      <p:sp>
+        <p:nvSpPr>
+          <p:cNvPr id="7" name="Номер слайда 6"/>
           <p:cNvSpPr>
             <a:spLocks noGrp="1"/>
           </p:cNvSpPr>
@@ -2948,7 +2891,7 @@
             <a:pPr>
               <a:defRPr/>
             </a:pPr>
-            <a:fld id="{2A013F82-EE5E-44EE-A61D-E31C6657F26F}" type="slidenum">
+            <a:fld id="{4FAB73BC-B049-4115-A692-8D63A059BFB8}" type="slidenum">
               <a:rPr lang="ru-RU"/>
               <a:t/>
             </a:fld>
@@ -2967,16 +2910,10 @@
 <file path=ppt/slideMasters/slideMaster1.xml><?xml version="1.0" encoding="utf-8"?>
 <p:sldMaster xmlns:a="http://schemas.openxmlformats.org/drawingml/2006/main" xmlns:r="http://schemas.openxmlformats.org/officeDocument/2006/relationships" xmlns:p="http://schemas.openxmlformats.org/presentationml/2006/main" xmlns:m="http://schemas.openxmlformats.org/officeDocument/2006/math" xmlns:w="http://schemas.openxmlformats.org/wordprocessingml/2006/main" preserve="0">
   <p:cSld name="">
-    <p:bg bwMode="invGray">
-      <p:bgPr shadeToTitle="0">
-        <a:blipFill>
-          <a:blip r:embed="rId13">
-            <a:lum/>
-          </a:blip>
-          <a:srcRect l="0" t="12686" r="0" b="12686"/>
-          <a:stretch/>
-        </a:blipFill>
-      </p:bgPr>
+    <p:bg>
+      <p:bgRef idx="1001">
+        <a:schemeClr val="bg2"/>
+      </p:bgRef>
     </p:bg>
     <p:spTree>
       <p:nvGrpSpPr>
@@ -2994,160 +2931,151 @@
       </p:grpSpPr>
       <p:sp>
         <p:nvSpPr>
-          <p:cNvPr id="2" name="Заголовок 1"/>
-          <p:cNvSpPr>
-            <a:spLocks noGrp="1"/>
-          </p:cNvSpPr>
-          <p:nvPr>
-            <p:ph type="title"/>
-          </p:nvPr>
+          <p:cNvPr id="7" name="Прямоугольник 6"/>
+          <p:cNvSpPr/>
+          <p:nvPr/>
         </p:nvSpPr>
         <p:spPr bwMode="auto">
           <a:xfrm>
-            <a:off x="1522413" y="381000"/>
-            <a:ext cx="9144001" cy="1371600"/>
+            <a:off x="483" y="176109"/>
+            <a:ext cx="12188952" cy="1645919"/>
           </a:xfrm>
           <a:prstGeom prst="rect">
             <a:avLst/>
           </a:prstGeom>
+          <a:solidFill>
+            <a:schemeClr val="tx1"/>
+          </a:solidFill>
           <a:ln>
             <a:noFill/>
           </a:ln>
         </p:spPr>
-        <p:txBody>
-          <a:bodyPr vert="horz" lIns="91440" tIns="45720" rIns="91440" bIns="45720" rtlCol="0" anchor="b">
-            <a:normAutofit/>
-          </a:bodyPr>
-          <a:lstStyle/>
-          <a:p>
-            <a:pPr>
-              <a:defRPr/>
-            </a:pPr>
-            <a:r>
-              <a:rPr lang="ru-RU"/>
-              <a:t>Образец заголовка</a:t>
-            </a:r>
-            <a:endParaRPr lang="ru-RU"/>
-          </a:p>
-        </p:txBody>
-      </p:sp>
-      <p:sp>
-        <p:nvSpPr>
-          <p:cNvPr id="3" name="Текст 2"/>
-          <p:cNvSpPr>
-            <a:spLocks noGrp="1"/>
-          </p:cNvSpPr>
-          <p:nvPr>
-            <p:ph type="body" idx="1"/>
+        <p:style>
+          <a:lnRef idx="2">
+            <a:schemeClr val="accent1">
+              <a:shade val="50000"/>
+            </a:schemeClr>
+          </a:lnRef>
+          <a:fillRef idx="1">
+            <a:schemeClr val="accent1"/>
+          </a:fillRef>
+          <a:effectRef idx="0">
+            <a:schemeClr val="accent1"/>
+          </a:effectRef>
+          <a:fontRef idx="minor">
+            <a:schemeClr val="lt1"/>
+          </a:fontRef>
+        </p:style>
+      </p:sp>
+      <p:sp>
+        <p:nvSpPr>
+          <p:cNvPr id="2" name="Заголовок 1"/>
+          <p:cNvSpPr>
+            <a:spLocks noGrp="1"/>
+          </p:cNvSpPr>
+          <p:nvPr>
+            <p:ph type="title"/>
           </p:nvPr>
         </p:nvSpPr>
         <p:spPr bwMode="auto">
           <a:xfrm>
-            <a:off x="1522413" y="1904999"/>
-            <a:ext cx="9134391" cy="4114800"/>
+            <a:off x="1202919" y="284176"/>
+            <a:ext cx="9784079" cy="1508759"/>
           </a:xfrm>
           <a:prstGeom prst="rect">
             <a:avLst/>
           </a:prstGeom>
         </p:spPr>
         <p:txBody>
-          <a:bodyPr vert="horz" lIns="91440" tIns="45720" rIns="91440" bIns="45720" rtlCol="0">
+          <a:bodyPr vert="horz" lIns="91440" tIns="45720" rIns="91440" bIns="45720" rtlCol="0" anchor="ctr">
             <a:normAutofit/>
           </a:bodyPr>
           <a:lstStyle/>
           <a:p>
-            <a:pPr lvl="0">
-              <a:defRPr/>
-            </a:pPr>
-            <a:r>
-              <a:rPr lang="ru-RU"/>
-              <a:t>Образец текста</a:t>
-            </a:r>
-            <a:endParaRPr/>
-          </a:p>
-          <a:p>
-            <a:pPr lvl="1">
-              <a:defRPr/>
-            </a:pPr>
-            <a:r>
-              <a:rPr lang="ru-RU"/>
-              <a:t>Второй уровень</a:t>
-            </a:r>
-            <a:endParaRPr/>
-          </a:p>
-          <a:p>
-            <a:pPr lvl="2">
-              <a:defRPr/>
-            </a:pPr>
-            <a:r>
-              <a:rPr lang="ru-RU"/>
-              <a:t>Третий уровень</a:t>
-            </a:r>
-            <a:endParaRPr/>
-          </a:p>
-          <a:p>
-            <a:pPr lvl="3">
-              <a:defRPr/>
-            </a:pPr>
-            <a:r>
-              <a:rPr lang="ru-RU"/>
-              <a:t>Четвертый уровень</a:t>
-            </a:r>
-            <a:endParaRPr/>
-          </a:p>
-          <a:p>
-            <a:pPr lvl="4">
-              <a:defRPr/>
-            </a:pPr>
-            <a:r>
-              <a:rPr lang="ru-RU"/>
-              <a:t>Пятый уровень</a:t>
-            </a:r>
-            <a:endParaRPr lang="ru-RU"/>
-          </a:p>
-        </p:txBody>
-      </p:sp>
-      <p:sp>
-        <p:nvSpPr>
-          <p:cNvPr id="5" name="Нижний колонтитул 4"/>
-          <p:cNvSpPr>
-            <a:spLocks noGrp="1"/>
-          </p:cNvSpPr>
-          <p:nvPr>
-            <p:ph type="ftr" sz="quarter" idx="3"/>
+            <a:pPr>
+              <a:defRPr/>
+            </a:pPr>
+            <a:r>
+              <a:rPr lang="ru-RU"/>
+              <a:t>Образец заголовка</a:t>
+            </a:r>
+            <a:endParaRPr/>
+          </a:p>
+        </p:txBody>
+      </p:sp>
+      <p:sp>
+        <p:nvSpPr>
+          <p:cNvPr id="3" name="Текст 2"/>
+          <p:cNvSpPr>
+            <a:spLocks noGrp="1"/>
+          </p:cNvSpPr>
+          <p:nvPr>
+            <p:ph type="body" idx="1"/>
           </p:nvPr>
         </p:nvSpPr>
         <p:spPr bwMode="auto">
           <a:xfrm>
-            <a:off x="1522413" y="6400800"/>
-            <a:ext cx="6553199" cy="276228"/>
+            <a:off x="1202919" y="2011680"/>
+            <a:ext cx="9784079" cy="4206240"/>
           </a:xfrm>
           <a:prstGeom prst="rect">
             <a:avLst/>
           </a:prstGeom>
         </p:spPr>
         <p:txBody>
-          <a:bodyPr vert="horz" lIns="91440" tIns="45720" rIns="91440" bIns="45720" rtlCol="0" anchor="ctr"/>
-          <a:lstStyle>
-            <a:lvl1pPr algn="l">
-              <a:defRPr sz="1100">
-                <a:solidFill>
-                  <a:schemeClr val="tx1">
-                    <a:tint val="75000"/>
-                  </a:schemeClr>
-                </a:solidFill>
-              </a:defRPr>
-            </a:lvl1pPr>
-          </a:lstStyle>
-          <a:p>
-            <a:pPr>
-              <a:defRPr/>
-            </a:pPr>
-            <a:r>
-              <a:rPr lang="ru-RU"/>
-              <a:t>Добавить нижний колонтитул</a:t>
-            </a:r>
-            <a:endParaRPr lang="ru-RU"/>
+          <a:bodyPr vert="horz" lIns="91440" tIns="45720" rIns="91440" bIns="45720" rtlCol="0">
+            <a:normAutofit/>
+          </a:bodyPr>
+          <a:lstStyle/>
+          <a:p>
+            <a:pPr lvl="0">
+              <a:defRPr/>
+            </a:pPr>
+            <a:r>
+              <a:rPr lang="ru-RU"/>
+              <a:t>Щелкните, чтобы изменить стили текста образца слайда</a:t>
+            </a:r>
+            <a:endParaRPr/>
+          </a:p>
+          <a:p>
+            <a:pPr lvl="1">
+              <a:defRPr/>
+            </a:pPr>
+            <a:r>
+              <a:rPr lang="ru-RU"/>
+              <a:t>Второй уровень</a:t>
+            </a:r>
+            <a:endParaRPr/>
+          </a:p>
+          <a:p>
+            <a:pPr lvl="2">
+              <a:defRPr/>
+            </a:pPr>
+            <a:r>
+              <a:rPr lang="ru-RU"/>
+              <a:t>Третий уровень</a:t>
+            </a:r>
+            <a:endParaRPr/>
+          </a:p>
+          <a:p>
+            <a:pPr lvl="3">
+              <a:defRPr/>
+            </a:pPr>
+            <a:r>
+              <a:rPr lang="ru-RU"/>
+              <a:t>Четвертый уровень</a:t>
+            </a:r>
+            <a:endParaRPr/>
+          </a:p>
+          <a:p>
+            <a:pPr lvl="4">
+              <a:defRPr/>
+            </a:pPr>
+            <a:r>
+              <a:rPr lang="ru-RU"/>
+              <a:t>Пятый уровень</a:t>
+            </a:r>
+            <a:endParaRPr/>
           </a:p>
         </p:txBody>
       </p:sp>
@@ -3163,22 +3091,20 @@
         </p:nvSpPr>
         <p:spPr bwMode="auto">
           <a:xfrm>
-            <a:off x="8226422" y="6400800"/>
-            <a:ext cx="1449389" cy="276228"/>
+            <a:off x="1202266" y="6422854"/>
+            <a:ext cx="3000894" cy="365125"/>
           </a:xfrm>
           <a:prstGeom prst="rect">
             <a:avLst/>
           </a:prstGeom>
         </p:spPr>
         <p:txBody>
-          <a:bodyPr vert="horz" lIns="91440" tIns="45720" rIns="91440" bIns="45720" rtlCol="0" anchor="ctr"/>
+          <a:bodyPr vert="horz" lIns="91440" tIns="45720" rIns="45720" bIns="45720" rtlCol="0" anchor="ctr"/>
           <a:lstStyle>
-            <a:lvl1pPr algn="r">
-              <a:defRPr sz="1100">
+            <a:lvl1pPr algn="l">
+              <a:defRPr sz="1050">
                 <a:solidFill>
-                  <a:schemeClr val="tx1">
-                    <a:tint val="75000"/>
-                  </a:schemeClr>
+                  <a:schemeClr val="tx1"/>
                 </a:solidFill>
               </a:defRPr>
             </a:lvl1pPr>
@@ -3187,7 +3113,7 @@
             <a:pPr>
               <a:defRPr/>
             </a:pPr>
-            <a:fld id="{16587A3D-33D8-4859-A42E-B82B31A659C3}" type="datetime1">
+            <a:fld id="{6C224A88-FFFD-4580-BB2F-D6A39109A426}" type="datetime1">
               <a:rPr lang="ru-RU"/>
               <a:t/>
             </a:fld>
@@ -3197,18 +3123,18 @@
       </p:sp>
       <p:sp>
         <p:nvSpPr>
-          <p:cNvPr id="6" name="Номер слайда 5"/>
-          <p:cNvSpPr>
-            <a:spLocks noGrp="1"/>
-          </p:cNvSpPr>
-          <p:nvPr>
-            <p:ph type="sldNum" sz="quarter" idx="4"/>
+          <p:cNvPr id="5" name="Нижний колонтитул 4"/>
+          <p:cNvSpPr>
+            <a:spLocks noGrp="1"/>
+          </p:cNvSpPr>
+          <p:nvPr>
+            <p:ph type="ftr" sz="quarter" idx="3"/>
           </p:nvPr>
         </p:nvSpPr>
         <p:spPr bwMode="auto">
           <a:xfrm>
-            <a:off x="9828211" y="6400800"/>
-            <a:ext cx="838201" cy="276228"/>
+            <a:off x="5596471" y="6422854"/>
+            <a:ext cx="5044440" cy="365125"/>
           </a:xfrm>
           <a:prstGeom prst="rect">
             <a:avLst/>
@@ -3218,11 +3144,9 @@
           <a:bodyPr vert="horz" lIns="91440" tIns="45720" rIns="91440" bIns="45720" rtlCol="0" anchor="ctr"/>
           <a:lstStyle>
             <a:lvl1pPr algn="r">
-              <a:defRPr sz="1100">
+              <a:defRPr sz="1050">
                 <a:solidFill>
-                  <a:schemeClr val="tx1">
-                    <a:tint val="75000"/>
-                  </a:schemeClr>
+                  <a:schemeClr val="tx1"/>
                 </a:solidFill>
               </a:defRPr>
             </a:lvl1pPr>
@@ -3231,7 +3155,45 @@
             <a:pPr>
               <a:defRPr/>
             </a:pPr>
-            <a:fld id="{2A013F82-EE5E-44EE-A61D-E31C6657F26F}" type="slidenum">
+            <a:endParaRPr lang="ru-RU"/>
+          </a:p>
+        </p:txBody>
+      </p:sp>
+      <p:sp>
+        <p:nvSpPr>
+          <p:cNvPr id="6" name="Номер слайда 5"/>
+          <p:cNvSpPr>
+            <a:spLocks noGrp="1"/>
+          </p:cNvSpPr>
+          <p:nvPr>
+            <p:ph type="sldNum" sz="quarter" idx="4"/>
+          </p:nvPr>
+        </p:nvSpPr>
+        <p:spPr bwMode="auto">
+          <a:xfrm>
+            <a:off x="10658927" y="6422854"/>
+            <a:ext cx="946264" cy="365125"/>
+          </a:xfrm>
+          <a:prstGeom prst="rect">
+            <a:avLst/>
+          </a:prstGeom>
+        </p:spPr>
+        <p:txBody>
+          <a:bodyPr vert="horz" lIns="45720" tIns="45720" rIns="91440" bIns="45720" rtlCol="0" anchor="ctr"/>
+          <a:lstStyle>
+            <a:lvl1pPr algn="l">
+              <a:defRPr sz="1200" b="0">
+                <a:solidFill>
+                  <a:schemeClr val="tx1"/>
+                </a:solidFill>
+              </a:defRPr>
+            </a:lvl1pPr>
+          </a:lstStyle>
+          <a:p>
+            <a:pPr>
+              <a:defRPr/>
+            </a:pPr>
+            <a:fld id="{4FAB73BC-B049-4115-A692-8D63A059BFB8}" type="slidenum">
               <a:rPr lang="ru-RU"/>
               <a:t/>
             </a:fld>
@@ -3260,19 +3222,15 @@
     <p:titleStyle>
       <a:lvl1pPr algn="l" defTabSz="914400">
         <a:lnSpc>
-          <a:spcPct val="90000"/>
+          <a:spcPct val="85000"/>
         </a:lnSpc>
         <a:spcBef>
           <a:spcPts val="0"/>
         </a:spcBef>
         <a:buNone/>
-        <a:defRPr sz="3600" b="1" cap="none" spc="0">
-          <a:ln w="9525">
-            <a:noFill/>
-            <a:prstDash val="solid"/>
-          </a:ln>
+        <a:defRPr sz="4000" cap="all">
           <a:solidFill>
-            <a:schemeClr val="accent5"/>
+            <a:schemeClr val="bg2"/>
           </a:solidFill>
           <a:latin typeface="+mj-lt"/>
           <a:ea typeface="+mj-ea"/>
@@ -3281,20 +3239,22 @@
       </a:lvl1pPr>
     </p:titleStyle>
     <p:bodyStyle>
-      <a:lvl1pPr marL="223838" indent="-223838" algn="l" defTabSz="914400">
+      <a:lvl1pPr marL="182880" indent="-182880" algn="l" defTabSz="914400">
         <a:lnSpc>
           <a:spcPct val="90000"/>
         </a:lnSpc>
         <a:spcBef>
-          <a:spcPts val="1800"/>
+          <a:spcPts val="1200"/>
         </a:spcBef>
+        <a:spcAft>
+          <a:spcPts val="200"/>
+        </a:spcAft>
         <a:buClr>
-          <a:schemeClr val="accent1"/>
+          <a:schemeClr val="tx1"/>
         </a:buClr>
-        <a:buSzPct val="100000"/>
-        <a:buFont typeface="Arial"/>
-        <a:buChar char="•"/>
-        <a:defRPr sz="2400">
+        <a:buFont typeface="Wingdings"/>
+        <a:buChar char=""/>
+        <a:defRPr sz="2200">
           <a:solidFill>
             <a:schemeClr val="tx1"/>
           </a:solidFill>
@@ -3303,19 +3263,21 @@
           <a:cs typeface="+mn-cs"/>
         </a:defRPr>
       </a:lvl1pPr>
-      <a:lvl2pPr marL="463550" indent="-231775" algn="l" defTabSz="914400">
+      <a:lvl2pPr marL="411480" indent="-182880" algn="l" defTabSz="914400">
         <a:lnSpc>
           <a:spcPct val="90000"/>
         </a:lnSpc>
         <a:spcBef>
-          <a:spcPts val="1200"/>
+          <a:spcPts val="200"/>
         </a:spcBef>
+        <a:spcAft>
+          <a:spcPts val="400"/>
+        </a:spcAft>
         <a:buClr>
-          <a:schemeClr val="accent1"/>
+          <a:schemeClr val="tx1"/>
         </a:buClr>
-        <a:buSzPct val="100000"/>
-        <a:buFont typeface="Arial"/>
-        <a:buChar char="•"/>
+        <a:buFont typeface="Wingdings"/>
+        <a:buChar char=""/>
         <a:defRPr sz="2000">
           <a:solidFill>
             <a:schemeClr val="tx1"/>
@@ -3325,19 +3287,21 @@
           <a:cs typeface="+mn-cs"/>
         </a:defRPr>
       </a:lvl2pPr>
-      <a:lvl3pPr marL="682625" indent="-219074" algn="l" defTabSz="914400">
+      <a:lvl3pPr marL="640080" indent="-182880" algn="l" defTabSz="914400">
         <a:lnSpc>
           <a:spcPct val="90000"/>
         </a:lnSpc>
         <a:spcBef>
-          <a:spcPts val="600"/>
+          <a:spcPts val="200"/>
         </a:spcBef>
+        <a:spcAft>
+          <a:spcPts val="400"/>
+        </a:spcAft>
         <a:buClr>
-          <a:schemeClr val="accent1"/>
+          <a:schemeClr val="tx1"/>
         </a:buClr>
-        <a:buSzPct val="100000"/>
-        <a:buFont typeface="Arial"/>
-        <a:buChar char="•"/>
+        <a:buFont typeface="Wingdings"/>
+        <a:buChar char=""/>
         <a:defRPr sz="1800">
           <a:solidFill>
             <a:schemeClr val="tx1"/>
@@ -3347,20 +3311,22 @@
           <a:cs typeface="+mn-cs"/>
         </a:defRPr>
       </a:lvl3pPr>
-      <a:lvl4pPr marL="857250" indent="-174625" algn="l" defTabSz="914400">
+      <a:lvl4pPr marL="868680" indent="-182880" algn="l" defTabSz="914400">
         <a:lnSpc>
           <a:spcPct val="90000"/>
         </a:lnSpc>
         <a:spcBef>
-          <a:spcPts val="600"/>
+          <a:spcPts val="200"/>
         </a:spcBef>
+        <a:spcAft>
+          <a:spcPts val="400"/>
+        </a:spcAft>
         <a:buClr>
-          <a:schemeClr val="accent1"/>
+          <a:schemeClr val="tx1"/>
         </a:buClr>
-        <a:buSzPct val="100000"/>
-        <a:buFont typeface="Arial"/>
-        <a:buChar char="•"/>
-        <a:defRPr sz="1800">
+        <a:buFont typeface="Wingdings"/>
+        <a:buChar char=""/>
+        <a:defRPr sz="1600">
           <a:solidFill>
             <a:schemeClr val="tx1"/>
           </a:solidFill>
@@ -3369,20 +3335,22 @@
           <a:cs typeface="+mn-cs"/>
         </a:defRPr>
       </a:lvl4pPr>
-      <a:lvl5pPr marL="1030288" indent="-173038" algn="l" defTabSz="914400">
+      <a:lvl5pPr marL="1097280" indent="-182880" algn="l" defTabSz="914400">
         <a:lnSpc>
           <a:spcPct val="90000"/>
         </a:lnSpc>
         <a:spcBef>
-          <a:spcPts val="600"/>
+          <a:spcPts val="200"/>
         </a:spcBef>
+        <a:spcAft>
+          <a:spcPts val="400"/>
+        </a:spcAft>
         <a:buClr>
-          <a:schemeClr val="accent1"/>
+          <a:schemeClr val="tx1"/>
         </a:buClr>
-        <a:buSzPct val="100000"/>
-        <a:buFont typeface="Arial"/>
-        <a:buChar char="•"/>
-        <a:defRPr sz="1800">
+        <a:buFont typeface="Wingdings"/>
+        <a:buChar char=""/>
+        <a:defRPr sz="1600">
           <a:solidFill>
             <a:schemeClr val="tx1"/>
           </a:solidFill>
@@ -3391,16 +3359,22 @@
           <a:cs typeface="+mn-cs"/>
         </a:defRPr>
       </a:lvl5pPr>
-      <a:lvl6pPr marL="1207008" indent="-173736" algn="l" defTabSz="914400">
+      <a:lvl6pPr marL="1284599" indent="-228600" algn="l" defTabSz="914400">
+        <a:lnSpc>
+          <a:spcPct val="90000"/>
+        </a:lnSpc>
         <a:spcBef>
-          <a:spcPts val="600"/>
+          <a:spcPts val="200"/>
         </a:spcBef>
+        <a:spcAft>
+          <a:spcPts val="400"/>
+        </a:spcAft>
         <a:buClr>
-          <a:schemeClr val="accent1"/>
+          <a:schemeClr val="tx1"/>
         </a:buClr>
-        <a:buFont typeface="Arial"/>
-        <a:buChar char="•"/>
-        <a:defRPr sz="1800">
+        <a:buFont typeface="Wingdings"/>
+        <a:buChar char=""/>
+        <a:defRPr sz="1600">
           <a:solidFill>
             <a:schemeClr val="tx1"/>
           </a:solidFill>
@@ -3409,16 +3383,22 @@
           <a:cs typeface="+mn-cs"/>
         </a:defRPr>
       </a:lvl6pPr>
-      <a:lvl7pPr marL="1380744" indent="-173736" algn="l" defTabSz="914400">
+      <a:lvl7pPr marL="1471800" indent="-228600" algn="l" defTabSz="914400">
+        <a:lnSpc>
+          <a:spcPct val="90000"/>
+        </a:lnSpc>
         <a:spcBef>
-          <a:spcPts val="600"/>
+          <a:spcPts val="200"/>
         </a:spcBef>
+        <a:spcAft>
+          <a:spcPts val="400"/>
+        </a:spcAft>
         <a:buClr>
-          <a:schemeClr val="accent1"/>
+          <a:schemeClr val="tx1"/>
         </a:buClr>
-        <a:buFont typeface="Arial"/>
-        <a:buChar char="•"/>
-        <a:defRPr sz="1800">
+        <a:buFont typeface="Wingdings"/>
+        <a:buChar char=""/>
+        <a:defRPr sz="1600">
           <a:solidFill>
             <a:schemeClr val="tx1"/>
           </a:solidFill>
@@ -3427,16 +3407,22 @@
           <a:cs typeface="+mn-cs"/>
         </a:defRPr>
       </a:lvl7pPr>
-      <a:lvl8pPr marL="1554480" indent="-173736" algn="l" defTabSz="914400">
+      <a:lvl8pPr marL="1629000" indent="-228600" algn="l" defTabSz="914400">
+        <a:lnSpc>
+          <a:spcPct val="90000"/>
+        </a:lnSpc>
         <a:spcBef>
-          <a:spcPts val="600"/>
+          <a:spcPts val="200"/>
         </a:spcBef>
+        <a:spcAft>
+          <a:spcPts val="400"/>
+        </a:spcAft>
         <a:buClr>
-          <a:schemeClr val="accent1"/>
+          <a:schemeClr val="tx1"/>
         </a:buClr>
-        <a:buFont typeface="Arial"/>
-        <a:buChar char="•"/>
-        <a:defRPr sz="1800">
+        <a:buFont typeface="Wingdings"/>
+        <a:buChar char=""/>
+        <a:defRPr sz="1600">
           <a:solidFill>
             <a:schemeClr val="tx1"/>
           </a:solidFill>
@@ -3445,16 +3431,22 @@
           <a:cs typeface="+mn-cs"/>
         </a:defRPr>
       </a:lvl8pPr>
-      <a:lvl9pPr marL="1728216" indent="-173736" algn="l" defTabSz="914400">
+      <a:lvl9pPr marL="1806200" indent="-228600" algn="l" defTabSz="914400">
+        <a:lnSpc>
+          <a:spcPct val="90000"/>
+        </a:lnSpc>
         <a:spcBef>
-          <a:spcPts val="600"/>
+          <a:spcPts val="200"/>
         </a:spcBef>
+        <a:spcAft>
+          <a:spcPts val="400"/>
+        </a:spcAft>
         <a:buClr>
-          <a:schemeClr val="accent1"/>
+          <a:schemeClr val="tx1"/>
         </a:buClr>
-        <a:buFont typeface="Arial"/>
-        <a:buChar char="•"/>
-        <a:defRPr sz="1800">
+        <a:buFont typeface="Wingdings"/>
+        <a:buChar char=""/>
+        <a:defRPr sz="1600">
           <a:solidFill>
             <a:schemeClr val="tx1"/>
           </a:solidFill>
@@ -3466,7 +3458,7 @@
     </p:bodyStyle>
     <p:otherStyle>
       <a:defPPr>
-        <a:defRPr/>
+        <a:defRPr lang="en-US"/>
       </a:defPPr>
       <a:lvl1pPr marL="0" algn="l" defTabSz="914400">
         <a:defRPr sz="1800">
@@ -3564,59 +3556,59 @@
 </file>
 
 <file path=ppt/theme/theme1.xml><?xml version="1.0" encoding="utf-8"?>
-<a:theme xmlns:a="http://schemas.openxmlformats.org/drawingml/2006/main" xmlns:r="http://schemas.openxmlformats.org/officeDocument/2006/relationships" xmlns:p="http://schemas.openxmlformats.org/presentationml/2006/main" name="Шаблон с оформлением &quot;Синий атом&quot;">
+<a:theme xmlns:a="http://schemas.openxmlformats.org/drawingml/2006/main" xmlns:r="http://schemas.openxmlformats.org/officeDocument/2006/relationships" xmlns:p="http://schemas.openxmlformats.org/presentationml/2006/main" name="Полосы">
   <a:themeElements>
-    <a:clrScheme name="Green Yellow">
+    <a:clrScheme name="Banded">
       <a:dk1>
-        <a:sysClr val="windowText" lastClr="000000"/>
+        <a:srgbClr val="2C2C2C"/>
       </a:dk1>
       <a:lt1>
-        <a:sysClr val="window" lastClr="FFFFFF"/>
+        <a:srgbClr val="FFFFFF"/>
       </a:lt1>
       <a:dk2>
-        <a:srgbClr val="455F51"/>
+        <a:srgbClr val="099BDD"/>
       </a:dk2>
       <a:lt2>
-        <a:srgbClr val="E2DFCC"/>
+        <a:srgbClr val="F2F2F2"/>
       </a:lt2>
       <a:accent1>
-        <a:srgbClr val="99CB38"/>
+        <a:srgbClr val="FFC000"/>
       </a:accent1>
       <a:accent2>
-        <a:srgbClr val="63A537"/>
+        <a:srgbClr val="A5D028"/>
       </a:accent2>
       <a:accent3>
-        <a:srgbClr val="37A76F"/>
+        <a:srgbClr val="08CC78"/>
       </a:accent3>
       <a:accent4>
-        <a:srgbClr val="44C1A3"/>
+        <a:srgbClr val="F24099"/>
       </a:accent4>
       <a:accent5>
-        <a:srgbClr val="4EB3CF"/>
+        <a:srgbClr val="828288"/>
       </a:accent5>
       <a:accent6>
-        <a:srgbClr val="51C3F9"/>
+        <a:srgbClr val="F56617"/>
       </a:accent6>
       <a:hlink>
-        <a:srgbClr val="EE7B08"/>
+        <a:srgbClr val="005DBA"/>
       </a:hlink>
       <a:folHlink>
-        <a:srgbClr val="977B2D"/>
+        <a:srgbClr val="6C606A"/>
       </a:folHlink>
     </a:clrScheme>
-    <a:fontScheme name="Century Gothic">
+    <a:fontScheme name="Banded">
       <a:majorFont>
-        <a:latin typeface="Century Gothic"/>
+        <a:latin typeface="Corbel"/>
         <a:ea typeface="Arial"/>
         <a:cs typeface="Arial"/>
       </a:majorFont>
       <a:minorFont>
-        <a:latin typeface="Century Gothic"/>
+        <a:latin typeface="Corbel"/>
         <a:ea typeface="Arial"/>
         <a:cs typeface="Arial"/>
       </a:minorFont>
     </a:fontScheme>
-    <a:fmtScheme name="Office">
+    <a:fmtScheme name="Banded">
       <a:fillStyleLst>
         <a:solidFill>
           <a:schemeClr val="phClr"/>
@@ -3625,23 +3617,23 @@
           <a:gsLst>
             <a:gs pos="0">
               <a:schemeClr val="phClr">
-                <a:lumMod val="110000"/>
-                <a:satMod val="105000"/>
-                <a:tint val="67000"/>
+                <a:tint val="65000"/>
+                <a:satMod val="120000"/>
+                <a:lumMod val="107000"/>
               </a:schemeClr>
             </a:gs>
             <a:gs pos="50000">
               <a:schemeClr val="phClr">
-                <a:lumMod val="105000"/>
-                <a:satMod val="103000"/>
-                <a:tint val="73000"/>
+                <a:tint val="70000"/>
+                <a:satMod val="124000"/>
+                <a:lumMod val="103000"/>
               </a:schemeClr>
             </a:gs>
             <a:gs pos="100000">
               <a:schemeClr val="phClr">
-                <a:lumMod val="105000"/>
-                <a:satMod val="109000"/>
-                <a:tint val="81000"/>
+                <a:tint val="85000"/>
+                <a:satMod val="120000"/>
+                <a:lumMod val="100000"/>
               </a:schemeClr>
             </a:gs>
           </a:gsLst>
@@ -3651,23 +3643,24 @@
           <a:gsLst>
             <a:gs pos="0">
               <a:schemeClr val="phClr">
-                <a:satMod val="103000"/>
-                <a:lumMod val="102000"/>
-                <a:tint val="94000"/>
+                <a:tint val="85000"/>
+                <a:shade val="98000"/>
+                <a:satMod val="110000"/>
+                <a:lumMod val="103000"/>
               </a:schemeClr>
             </a:gs>
             <a:gs pos="50000">
               <a:schemeClr val="phClr">
-                <a:satMod val="110000"/>
+                <a:shade val="85000"/>
+                <a:satMod val="105000"/>
                 <a:lumMod val="100000"/>
-                <a:shade val="100000"/>
               </a:schemeClr>
             </a:gs>
             <a:gs pos="100000">
               <a:schemeClr val="phClr">
-                <a:lumMod val="99000"/>
+                <a:shade val="60000"/>
                 <a:satMod val="120000"/>
-                <a:shade val="78000"/>
+                <a:lumMod val="100000"/>
               </a:schemeClr>
             </a:gs>
           </a:gsLst>
@@ -3675,26 +3668,23 @@
         </a:gradFill>
       </a:fillStyleLst>
       <a:lnStyleLst>
-        <a:ln w="6350" cap="flat" cmpd="sng" algn="ctr">
+        <a:ln w="9525" cap="flat" cmpd="sng" algn="ctr">
           <a:solidFill>
             <a:schemeClr val="phClr"/>
           </a:solidFill>
           <a:prstDash val="solid"/>
-          <a:miter lim="800000"/>
         </a:ln>
         <a:ln w="12700" cap="flat" cmpd="sng" algn="ctr">
           <a:solidFill>
             <a:schemeClr val="phClr"/>
           </a:solidFill>
           <a:prstDash val="solid"/>
-          <a:miter lim="800000"/>
         </a:ln>
-        <a:ln w="19050" cap="flat" cmpd="sng" algn="ctr">
+        <a:ln w="25400" cap="flat" cmpd="sng" algn="ctr">
           <a:solidFill>
             <a:schemeClr val="phClr"/>
           </a:solidFill>
           <a:prstDash val="solid"/>
-          <a:miter lim="800000"/>
         </a:ln>
       </a:lnStyleLst>
       <a:effectStyleLst>
@@ -3730,34 +3720,31 @@
         <a:solidFill>
           <a:schemeClr val="phClr"/>
         </a:solidFill>
-        <a:solidFill>
-          <a:schemeClr val="phClr">
-            <a:tint val="95000"/>
-            <a:satMod val="170000"/>
-          </a:schemeClr>
-        </a:solidFill>
+        <a:blipFill>
+          <a:blip r:embed="rId1">
+            <a:duotone>
+              <a:schemeClr val="phClr"/>
+              <a:schemeClr val="phClr">
+                <a:shade val="91000"/>
+                <a:satMod val="105000"/>
+              </a:schemeClr>
+            </a:duotone>
+          </a:blip>
+          <a:tile algn="tl" flip="none" sx="100000" sy="100000" tx="0" ty="0"/>
+        </a:blipFill>
         <a:gradFill>
           <a:gsLst>
             <a:gs pos="0">
               <a:schemeClr val="phClr">
-                <a:tint val="93000"/>
-                <a:shade val="98000"/>
-                <a:satMod val="150000"/>
-                <a:lumMod val="102000"/>
-              </a:schemeClr>
-            </a:gs>
-            <a:gs pos="50000">
-              <a:schemeClr val="phClr">
-                <a:tint val="98000"/>
-                <a:shade val="90000"/>
-                <a:satMod val="130000"/>
-                <a:lumMod val="103000"/>
+                <a:tint val="100000"/>
+                <a:shade val="0"/>
+                <a:satMod val="100000"/>
               </a:schemeClr>
             </a:gs>
             <a:gs pos="100000">
               <a:schemeClr val="phClr">
-                <a:shade val="63000"/>
-                <a:satMod val="120000"/>
+                <a:shade val="100000"/>
+                <a:satMod val="100000"/>
               </a:schemeClr>
             </a:gs>
           </a:gsLst>
@@ -3766,76 +3753,6 @@
       </a:bgFillStyleLst>
     </a:fmtScheme>
   </a:themeElements>
-  <a:objectDefaults>
-    <a:spDef>
-      <a:spPr bwMode="auto">
-        <a:prstGeom prst="rect">
-          <a:avLst/>
-        </a:prstGeom>
-        <a:ln>
-          <a:noFill/>
-        </a:ln>
-      </a:spPr>
-      <a:bodyPr/>
-      <a:lstStyle/>
-      <a:style>
-        <a:lnRef idx="3">
-          <a:schemeClr val="lt1"/>
-        </a:lnRef>
-        <a:fillRef idx="1">
-          <a:schemeClr val="accent5"/>
-        </a:fillRef>
-        <a:effectRef idx="1">
-          <a:schemeClr val="accent5"/>
-        </a:effectRef>
-        <a:fontRef idx="minor">
-          <a:schemeClr val="lt1"/>
-        </a:fontRef>
-      </a:style>
-    </a:spDef>
-    <a:lnDef>
-      <a:spPr bwMode="auto">
-        <a:prstGeom prst="rect">
-          <a:avLst/>
-        </a:prstGeom>
-        <a:ln>
-          <a:solidFill>
-            <a:schemeClr val="accent5"/>
-          </a:solidFill>
-        </a:ln>
-      </a:spPr>
-      <a:bodyPr/>
-      <a:lstStyle/>
-      <a:style>
-        <a:lnRef idx="1">
-          <a:schemeClr val="accent1"/>
-        </a:lnRef>
-        <a:fillRef idx="0">
-          <a:schemeClr val="accent1"/>
-        </a:fillRef>
-        <a:effectRef idx="0">
-          <a:schemeClr val="accent1"/>
-        </a:effectRef>
-        <a:fontRef idx="minor">
-          <a:schemeClr val="tx1"/>
-        </a:fontRef>
-      </a:style>
-    </a:lnDef>
-    <a:txDef>
-      <a:spPr bwMode="auto">
-        <a:prstGeom prst="rect">
-          <a:avLst/>
-        </a:prstGeom>
-        <a:noFill/>
-        <a:ln>
-          <a:solidFill>
-            <a:schemeClr val="bg2"/>
-          </a:solidFill>
-        </a:ln>
-      </a:spPr>
-      <a:bodyPr/>
-      <a:lstStyle/>
-    </a:txDef>
-  </a:objectDefaults>
+  <a:objectDefaults/>
 </a:theme>
 </file>